--- a/doc/frontend/wireframe/TRN-MiniBlog_WireframeDesign_Nguyen.Viet.pptx
+++ b/doc/frontend/wireframe/TRN-MiniBlog_WireframeDesign_Nguyen.Viet.pptx
@@ -1443,12 +1443,12 @@
           <a:effectLst/>
           <a:extLst>
             <a:ext uri="{909E8E84-426E-40dd-AFC4-6F175D3DCCD1}">
-              <a14:hiddenFill xmlns:a14="http://schemas.microsoft.com/office/drawing/2010/main" xmlns="">
+              <a14:hiddenFill xmlns="" xmlns:a14="http://schemas.microsoft.com/office/drawing/2010/main">
                 <a:noFill/>
               </a14:hiddenFill>
             </a:ext>
             <a:ext uri="{AF507438-7753-43e0-B8FC-AC1667EBCBE1}">
-              <a14:hiddenEffects xmlns:a14="http://schemas.microsoft.com/office/drawing/2010/main" xmlns="">
+              <a14:hiddenEffects xmlns="" xmlns:a14="http://schemas.microsoft.com/office/drawing/2010/main">
                 <a:effectLst>
                   <a:outerShdw blurRad="63500" dist="38099" dir="2700000" algn="ctr" rotWithShape="0">
                     <a:schemeClr val="bg2">
@@ -1502,12 +1502,12 @@
           <a:effectLst/>
           <a:extLst>
             <a:ext uri="{909E8E84-426E-40dd-AFC4-6F175D3DCCD1}">
-              <a14:hiddenFill xmlns:a14="http://schemas.microsoft.com/office/drawing/2010/main" xmlns="">
+              <a14:hiddenFill xmlns="" xmlns:a14="http://schemas.microsoft.com/office/drawing/2010/main">
                 <a:noFill/>
               </a14:hiddenFill>
             </a:ext>
             <a:ext uri="{AF507438-7753-43e0-B8FC-AC1667EBCBE1}">
-              <a14:hiddenEffects xmlns:a14="http://schemas.microsoft.com/office/drawing/2010/main" xmlns="">
+              <a14:hiddenEffects xmlns="" xmlns:a14="http://schemas.microsoft.com/office/drawing/2010/main">
                 <a:effectLst>
                   <a:outerShdw blurRad="63500" dist="38099" dir="2700000" algn="ctr" rotWithShape="0">
                     <a:schemeClr val="bg2">
@@ -1565,7 +1565,7 @@
           <a:effectLst/>
           <a:extLst>
             <a:ext uri="{AF507438-7753-43e0-B8FC-AC1667EBCBE1}">
-              <a14:hiddenEffects xmlns:a14="http://schemas.microsoft.com/office/drawing/2010/main" xmlns="">
+              <a14:hiddenEffects xmlns="" xmlns:a14="http://schemas.microsoft.com/office/drawing/2010/main">
                 <a:effectLst>
                   <a:outerShdw blurRad="63500" dist="38099" dir="2700000" algn="ctr" rotWithShape="0">
                     <a:schemeClr val="bg2">
@@ -1621,7 +1621,7 @@
           <a:effectLst/>
           <a:extLst>
             <a:ext uri="{AF507438-7753-43e0-B8FC-AC1667EBCBE1}">
-              <a14:hiddenEffects xmlns:a14="http://schemas.microsoft.com/office/drawing/2010/main" xmlns="">
+              <a14:hiddenEffects xmlns="" xmlns:a14="http://schemas.microsoft.com/office/drawing/2010/main">
                 <a:effectLst>
                   <a:outerShdw blurRad="63500" dist="38099" dir="2700000" algn="ctr" rotWithShape="0">
                     <a:schemeClr val="bg2">
@@ -1674,14 +1674,14 @@
           <a:effectLst/>
           <a:extLst>
             <a:ext uri="{909E8E84-426E-40dd-AFC4-6F175D3DCCD1}">
-              <a14:hiddenFill xmlns:a14="http://schemas.microsoft.com/office/drawing/2010/main" xmlns="">
+              <a14:hiddenFill xmlns="" xmlns:a14="http://schemas.microsoft.com/office/drawing/2010/main">
                 <a:solidFill>
                   <a:schemeClr val="accent1"/>
                 </a:solidFill>
               </a14:hiddenFill>
             </a:ext>
             <a:ext uri="{91240B29-F687-4f45-9708-019B960494DF}">
-              <a14:hiddenLine xmlns:a14="http://schemas.microsoft.com/office/drawing/2010/main" xmlns="" w="9525">
+              <a14:hiddenLine xmlns="" xmlns:a14="http://schemas.microsoft.com/office/drawing/2010/main" w="9525">
                 <a:solidFill>
                   <a:schemeClr val="tx1"/>
                 </a:solidFill>
@@ -1691,7 +1691,7 @@
               </a14:hiddenLine>
             </a:ext>
             <a:ext uri="{AF507438-7753-43e0-B8FC-AC1667EBCBE1}">
-              <a14:hiddenEffects xmlns:a14="http://schemas.microsoft.com/office/drawing/2010/main" xmlns="">
+              <a14:hiddenEffects xmlns="" xmlns:a14="http://schemas.microsoft.com/office/drawing/2010/main">
                 <a:effectLst>
                   <a:outerShdw blurRad="63500" dist="38099" dir="2700000" algn="ctr" rotWithShape="0">
                     <a:schemeClr val="bg2">
@@ -1702,7 +1702,7 @@
               </a14:hiddenEffects>
             </a:ext>
             <a:ext uri="{FAA26D3D-D897-4be2-8F04-BA451C77F1D7}">
-              <ma14:placeholderFlag xmlns:ma14="http://schemas.microsoft.com/office/mac/drawingml/2011/main" xmlns="" val="1"/>
+              <ma14:placeholderFlag xmlns="" xmlns:ma14="http://schemas.microsoft.com/office/mac/drawingml/2011/main" val="1"/>
             </a:ext>
           </a:extLst>
         </p:spPr>
@@ -1854,7 +1854,7 @@
           <a:noFill/>
           <a:extLst>
             <a:ext uri="{909E8E84-426E-40dd-AFC4-6F175D3DCCD1}">
-              <a14:hiddenFill xmlns:a14="http://schemas.microsoft.com/office/drawing/2010/main" xmlns="">
+              <a14:hiddenFill xmlns="" xmlns:a14="http://schemas.microsoft.com/office/drawing/2010/main">
                 <a:solidFill>
                   <a:srgbClr val="FFFFFF"/>
                 </a:solidFill>
@@ -1886,14 +1886,14 @@
           <a:effectLst/>
           <a:extLst>
             <a:ext uri="{909E8E84-426E-40dd-AFC4-6F175D3DCCD1}">
-              <a14:hiddenFill xmlns:a14="http://schemas.microsoft.com/office/drawing/2010/main" xmlns="">
+              <a14:hiddenFill xmlns="" xmlns:a14="http://schemas.microsoft.com/office/drawing/2010/main">
                 <a:solidFill>
                   <a:schemeClr val="accent1"/>
                 </a:solidFill>
               </a14:hiddenFill>
             </a:ext>
             <a:ext uri="{91240B29-F687-4f45-9708-019B960494DF}">
-              <a14:hiddenLine xmlns:a14="http://schemas.microsoft.com/office/drawing/2010/main" xmlns="" w="9525">
+              <a14:hiddenLine xmlns="" xmlns:a14="http://schemas.microsoft.com/office/drawing/2010/main" w="9525">
                 <a:solidFill>
                   <a:schemeClr val="tx1"/>
                 </a:solidFill>
@@ -1903,7 +1903,7 @@
               </a14:hiddenLine>
             </a:ext>
             <a:ext uri="{AF507438-7753-43e0-B8FC-AC1667EBCBE1}">
-              <a14:hiddenEffects xmlns:a14="http://schemas.microsoft.com/office/drawing/2010/main" xmlns="">
+              <a14:hiddenEffects xmlns="" xmlns:a14="http://schemas.microsoft.com/office/drawing/2010/main">
                 <a:effectLst>
                   <a:outerShdw blurRad="63500" dist="38099" dir="2700000" algn="ctr" rotWithShape="0">
                     <a:schemeClr val="bg2">
@@ -2114,12 +2114,12 @@
           <a:effectLst/>
           <a:extLst>
             <a:ext uri="{909E8E84-426E-40dd-AFC4-6F175D3DCCD1}">
-              <a14:hiddenFill xmlns:a14="http://schemas.microsoft.com/office/drawing/2010/main" xmlns="">
+              <a14:hiddenFill xmlns="" xmlns:a14="http://schemas.microsoft.com/office/drawing/2010/main">
                 <a:noFill/>
               </a14:hiddenFill>
             </a:ext>
             <a:ext uri="{AF507438-7753-43e0-B8FC-AC1667EBCBE1}">
-              <a14:hiddenEffects xmlns:a14="http://schemas.microsoft.com/office/drawing/2010/main" xmlns="">
+              <a14:hiddenEffects xmlns="" xmlns:a14="http://schemas.microsoft.com/office/drawing/2010/main">
                 <a:effectLst>
                   <a:outerShdw blurRad="63500" dist="38099" dir="2700000" algn="ctr" rotWithShape="0">
                     <a:schemeClr val="bg2">
@@ -2173,12 +2173,12 @@
           <a:effectLst/>
           <a:extLst>
             <a:ext uri="{909E8E84-426E-40dd-AFC4-6F175D3DCCD1}">
-              <a14:hiddenFill xmlns:a14="http://schemas.microsoft.com/office/drawing/2010/main" xmlns="">
+              <a14:hiddenFill xmlns="" xmlns:a14="http://schemas.microsoft.com/office/drawing/2010/main">
                 <a:noFill/>
               </a14:hiddenFill>
             </a:ext>
             <a:ext uri="{AF507438-7753-43e0-B8FC-AC1667EBCBE1}">
-              <a14:hiddenEffects xmlns:a14="http://schemas.microsoft.com/office/drawing/2010/main" xmlns="">
+              <a14:hiddenEffects xmlns="" xmlns:a14="http://schemas.microsoft.com/office/drawing/2010/main">
                 <a:effectLst>
                   <a:outerShdw blurRad="63500" dist="38099" dir="2700000" algn="ctr" rotWithShape="0">
                     <a:schemeClr val="bg2">
@@ -2236,7 +2236,7 @@
           <a:effectLst/>
           <a:extLst>
             <a:ext uri="{AF507438-7753-43e0-B8FC-AC1667EBCBE1}">
-              <a14:hiddenEffects xmlns:a14="http://schemas.microsoft.com/office/drawing/2010/main" xmlns="">
+              <a14:hiddenEffects xmlns="" xmlns:a14="http://schemas.microsoft.com/office/drawing/2010/main">
                 <a:effectLst>
                   <a:outerShdw blurRad="63500" dist="38099" dir="2700000" algn="ctr" rotWithShape="0">
                     <a:schemeClr val="bg2">
@@ -2292,7 +2292,7 @@
           <a:effectLst/>
           <a:extLst>
             <a:ext uri="{AF507438-7753-43e0-B8FC-AC1667EBCBE1}">
-              <a14:hiddenEffects xmlns:a14="http://schemas.microsoft.com/office/drawing/2010/main" xmlns="">
+              <a14:hiddenEffects xmlns="" xmlns:a14="http://schemas.microsoft.com/office/drawing/2010/main">
                 <a:effectLst>
                   <a:outerShdw blurRad="63500" dist="38099" dir="2700000" algn="ctr" rotWithShape="0">
                     <a:schemeClr val="bg2">
@@ -2345,14 +2345,14 @@
           <a:effectLst/>
           <a:extLst>
             <a:ext uri="{909E8E84-426E-40dd-AFC4-6F175D3DCCD1}">
-              <a14:hiddenFill xmlns:a14="http://schemas.microsoft.com/office/drawing/2010/main" xmlns="">
+              <a14:hiddenFill xmlns="" xmlns:a14="http://schemas.microsoft.com/office/drawing/2010/main">
                 <a:solidFill>
                   <a:schemeClr val="accent1"/>
                 </a:solidFill>
               </a14:hiddenFill>
             </a:ext>
             <a:ext uri="{91240B29-F687-4f45-9708-019B960494DF}">
-              <a14:hiddenLine xmlns:a14="http://schemas.microsoft.com/office/drawing/2010/main" xmlns="" w="9525">
+              <a14:hiddenLine xmlns="" xmlns:a14="http://schemas.microsoft.com/office/drawing/2010/main" w="9525">
                 <a:solidFill>
                   <a:schemeClr val="tx1"/>
                 </a:solidFill>
@@ -2362,7 +2362,7 @@
               </a14:hiddenLine>
             </a:ext>
             <a:ext uri="{AF507438-7753-43e0-B8FC-AC1667EBCBE1}">
-              <a14:hiddenEffects xmlns:a14="http://schemas.microsoft.com/office/drawing/2010/main" xmlns="">
+              <a14:hiddenEffects xmlns="" xmlns:a14="http://schemas.microsoft.com/office/drawing/2010/main">
                 <a:effectLst>
                   <a:outerShdw blurRad="63500" dist="38099" dir="2700000" algn="ctr" rotWithShape="0">
                     <a:schemeClr val="bg2">
@@ -2373,7 +2373,7 @@
               </a14:hiddenEffects>
             </a:ext>
             <a:ext uri="{FAA26D3D-D897-4be2-8F04-BA451C77F1D7}">
-              <ma14:placeholderFlag xmlns:ma14="http://schemas.microsoft.com/office/mac/drawingml/2011/main" xmlns="" val="1"/>
+              <ma14:placeholderFlag xmlns="" xmlns:ma14="http://schemas.microsoft.com/office/mac/drawingml/2011/main" val="1"/>
             </a:ext>
           </a:extLst>
         </p:spPr>
@@ -2525,7 +2525,7 @@
           <a:noFill/>
           <a:extLst>
             <a:ext uri="{909E8E84-426E-40dd-AFC4-6F175D3DCCD1}">
-              <a14:hiddenFill xmlns:a14="http://schemas.microsoft.com/office/drawing/2010/main" xmlns="">
+              <a14:hiddenFill xmlns="" xmlns:a14="http://schemas.microsoft.com/office/drawing/2010/main">
                 <a:solidFill>
                   <a:srgbClr val="FFFFFF"/>
                 </a:solidFill>
@@ -2557,14 +2557,14 @@
           <a:effectLst/>
           <a:extLst>
             <a:ext uri="{909E8E84-426E-40dd-AFC4-6F175D3DCCD1}">
-              <a14:hiddenFill xmlns:a14="http://schemas.microsoft.com/office/drawing/2010/main" xmlns="">
+              <a14:hiddenFill xmlns="" xmlns:a14="http://schemas.microsoft.com/office/drawing/2010/main">
                 <a:solidFill>
                   <a:schemeClr val="accent1"/>
                 </a:solidFill>
               </a14:hiddenFill>
             </a:ext>
             <a:ext uri="{91240B29-F687-4f45-9708-019B960494DF}">
-              <a14:hiddenLine xmlns:a14="http://schemas.microsoft.com/office/drawing/2010/main" xmlns="" w="9525">
+              <a14:hiddenLine xmlns="" xmlns:a14="http://schemas.microsoft.com/office/drawing/2010/main" w="9525">
                 <a:solidFill>
                   <a:schemeClr val="tx1"/>
                 </a:solidFill>
@@ -2574,7 +2574,7 @@
               </a14:hiddenLine>
             </a:ext>
             <a:ext uri="{AF507438-7753-43e0-B8FC-AC1667EBCBE1}">
-              <a14:hiddenEffects xmlns:a14="http://schemas.microsoft.com/office/drawing/2010/main" xmlns="">
+              <a14:hiddenEffects xmlns="" xmlns:a14="http://schemas.microsoft.com/office/drawing/2010/main">
                 <a:effectLst>
                   <a:outerShdw blurRad="63500" dist="38099" dir="2700000" algn="ctr" rotWithShape="0">
                     <a:schemeClr val="bg2">
@@ -2785,12 +2785,12 @@
           <a:effectLst/>
           <a:extLst>
             <a:ext uri="{909E8E84-426E-40dd-AFC4-6F175D3DCCD1}">
-              <a14:hiddenFill xmlns:a14="http://schemas.microsoft.com/office/drawing/2010/main" xmlns="">
+              <a14:hiddenFill xmlns="" xmlns:a14="http://schemas.microsoft.com/office/drawing/2010/main">
                 <a:noFill/>
               </a14:hiddenFill>
             </a:ext>
             <a:ext uri="{AF507438-7753-43e0-B8FC-AC1667EBCBE1}">
-              <a14:hiddenEffects xmlns:a14="http://schemas.microsoft.com/office/drawing/2010/main" xmlns="">
+              <a14:hiddenEffects xmlns="" xmlns:a14="http://schemas.microsoft.com/office/drawing/2010/main">
                 <a:effectLst>
                   <a:outerShdw blurRad="63500" dist="38099" dir="2700000" algn="ctr" rotWithShape="0">
                     <a:schemeClr val="bg2">
@@ -2844,12 +2844,12 @@
           <a:effectLst/>
           <a:extLst>
             <a:ext uri="{909E8E84-426E-40dd-AFC4-6F175D3DCCD1}">
-              <a14:hiddenFill xmlns:a14="http://schemas.microsoft.com/office/drawing/2010/main" xmlns="">
+              <a14:hiddenFill xmlns="" xmlns:a14="http://schemas.microsoft.com/office/drawing/2010/main">
                 <a:noFill/>
               </a14:hiddenFill>
             </a:ext>
             <a:ext uri="{AF507438-7753-43e0-B8FC-AC1667EBCBE1}">
-              <a14:hiddenEffects xmlns:a14="http://schemas.microsoft.com/office/drawing/2010/main" xmlns="">
+              <a14:hiddenEffects xmlns="" xmlns:a14="http://schemas.microsoft.com/office/drawing/2010/main">
                 <a:effectLst>
                   <a:outerShdw blurRad="63500" dist="38099" dir="2700000" algn="ctr" rotWithShape="0">
                     <a:schemeClr val="bg2">
@@ -2907,7 +2907,7 @@
           <a:effectLst/>
           <a:extLst>
             <a:ext uri="{AF507438-7753-43e0-B8FC-AC1667EBCBE1}">
-              <a14:hiddenEffects xmlns:a14="http://schemas.microsoft.com/office/drawing/2010/main" xmlns="">
+              <a14:hiddenEffects xmlns="" xmlns:a14="http://schemas.microsoft.com/office/drawing/2010/main">
                 <a:effectLst>
                   <a:outerShdw blurRad="63500" dist="38099" dir="2700000" algn="ctr" rotWithShape="0">
                     <a:schemeClr val="bg2">
@@ -2963,7 +2963,7 @@
           <a:effectLst/>
           <a:extLst>
             <a:ext uri="{AF507438-7753-43e0-B8FC-AC1667EBCBE1}">
-              <a14:hiddenEffects xmlns:a14="http://schemas.microsoft.com/office/drawing/2010/main" xmlns="">
+              <a14:hiddenEffects xmlns="" xmlns:a14="http://schemas.microsoft.com/office/drawing/2010/main">
                 <a:effectLst>
                   <a:outerShdw blurRad="63500" dist="38099" dir="2700000" algn="ctr" rotWithShape="0">
                     <a:schemeClr val="bg2">
@@ -3016,14 +3016,14 @@
           <a:effectLst/>
           <a:extLst>
             <a:ext uri="{909E8E84-426E-40dd-AFC4-6F175D3DCCD1}">
-              <a14:hiddenFill xmlns:a14="http://schemas.microsoft.com/office/drawing/2010/main" xmlns="">
+              <a14:hiddenFill xmlns="" xmlns:a14="http://schemas.microsoft.com/office/drawing/2010/main">
                 <a:solidFill>
                   <a:schemeClr val="accent1"/>
                 </a:solidFill>
               </a14:hiddenFill>
             </a:ext>
             <a:ext uri="{91240B29-F687-4f45-9708-019B960494DF}">
-              <a14:hiddenLine xmlns:a14="http://schemas.microsoft.com/office/drawing/2010/main" xmlns="" w="9525">
+              <a14:hiddenLine xmlns="" xmlns:a14="http://schemas.microsoft.com/office/drawing/2010/main" w="9525">
                 <a:solidFill>
                   <a:schemeClr val="tx1"/>
                 </a:solidFill>
@@ -3033,7 +3033,7 @@
               </a14:hiddenLine>
             </a:ext>
             <a:ext uri="{AF507438-7753-43e0-B8FC-AC1667EBCBE1}">
-              <a14:hiddenEffects xmlns:a14="http://schemas.microsoft.com/office/drawing/2010/main" xmlns="">
+              <a14:hiddenEffects xmlns="" xmlns:a14="http://schemas.microsoft.com/office/drawing/2010/main">
                 <a:effectLst>
                   <a:outerShdw blurRad="63500" dist="38099" dir="2700000" algn="ctr" rotWithShape="0">
                     <a:schemeClr val="bg2">
@@ -3044,7 +3044,7 @@
               </a14:hiddenEffects>
             </a:ext>
             <a:ext uri="{FAA26D3D-D897-4be2-8F04-BA451C77F1D7}">
-              <ma14:placeholderFlag xmlns:ma14="http://schemas.microsoft.com/office/mac/drawingml/2011/main" xmlns="" val="1"/>
+              <ma14:placeholderFlag xmlns="" xmlns:ma14="http://schemas.microsoft.com/office/mac/drawingml/2011/main" val="1"/>
             </a:ext>
           </a:extLst>
         </p:spPr>
@@ -3196,7 +3196,7 @@
           <a:noFill/>
           <a:extLst>
             <a:ext uri="{909E8E84-426E-40dd-AFC4-6F175D3DCCD1}">
-              <a14:hiddenFill xmlns:a14="http://schemas.microsoft.com/office/drawing/2010/main" xmlns="">
+              <a14:hiddenFill xmlns="" xmlns:a14="http://schemas.microsoft.com/office/drawing/2010/main">
                 <a:solidFill>
                   <a:srgbClr val="FFFFFF"/>
                 </a:solidFill>
@@ -3228,14 +3228,14 @@
           <a:effectLst/>
           <a:extLst>
             <a:ext uri="{909E8E84-426E-40dd-AFC4-6F175D3DCCD1}">
-              <a14:hiddenFill xmlns:a14="http://schemas.microsoft.com/office/drawing/2010/main" xmlns="">
+              <a14:hiddenFill xmlns="" xmlns:a14="http://schemas.microsoft.com/office/drawing/2010/main">
                 <a:solidFill>
                   <a:schemeClr val="accent1"/>
                 </a:solidFill>
               </a14:hiddenFill>
             </a:ext>
             <a:ext uri="{91240B29-F687-4f45-9708-019B960494DF}">
-              <a14:hiddenLine xmlns:a14="http://schemas.microsoft.com/office/drawing/2010/main" xmlns="" w="9525">
+              <a14:hiddenLine xmlns="" xmlns:a14="http://schemas.microsoft.com/office/drawing/2010/main" w="9525">
                 <a:solidFill>
                   <a:schemeClr val="tx1"/>
                 </a:solidFill>
@@ -3245,7 +3245,7 @@
               </a14:hiddenLine>
             </a:ext>
             <a:ext uri="{AF507438-7753-43e0-B8FC-AC1667EBCBE1}">
-              <a14:hiddenEffects xmlns:a14="http://schemas.microsoft.com/office/drawing/2010/main" xmlns="">
+              <a14:hiddenEffects xmlns="" xmlns:a14="http://schemas.microsoft.com/office/drawing/2010/main">
                 <a:effectLst>
                   <a:outerShdw blurRad="63500" dist="38099" dir="2700000" algn="ctr" rotWithShape="0">
                     <a:schemeClr val="bg2">
@@ -3562,7 +3562,7 @@
           <a:effectLst/>
           <a:extLst>
             <a:ext uri="{91240B29-F687-4f45-9708-019B960494DF}">
-              <a14:hiddenLine xmlns:a14="http://schemas.microsoft.com/office/drawing/2010/main" xmlns="" w="9525">
+              <a14:hiddenLine xmlns="" xmlns:a14="http://schemas.microsoft.com/office/drawing/2010/main" w="9525">
                 <a:solidFill>
                   <a:schemeClr val="tx1"/>
                 </a:solidFill>
@@ -3572,7 +3572,7 @@
               </a14:hiddenLine>
             </a:ext>
             <a:ext uri="{AF507438-7753-43e0-B8FC-AC1667EBCBE1}">
-              <a14:hiddenEffects xmlns:a14="http://schemas.microsoft.com/office/drawing/2010/main" xmlns="">
+              <a14:hiddenEffects xmlns="" xmlns:a14="http://schemas.microsoft.com/office/drawing/2010/main">
                 <a:effectLst>
                   <a:outerShdw blurRad="63500" dist="38099" dir="2700000" algn="ctr" rotWithShape="0">
                     <a:schemeClr val="bg2">
@@ -3628,7 +3628,7 @@
           <a:effectLst/>
           <a:extLst>
             <a:ext uri="{AF507438-7753-43e0-B8FC-AC1667EBCBE1}">
-              <a14:hiddenEffects xmlns:a14="http://schemas.microsoft.com/office/drawing/2010/main" xmlns="">
+              <a14:hiddenEffects xmlns="" xmlns:a14="http://schemas.microsoft.com/office/drawing/2010/main">
                 <a:effectLst>
                   <a:outerShdw blurRad="63500" dist="38099" dir="2700000" algn="ctr" rotWithShape="0">
                     <a:schemeClr val="bg2">
@@ -3681,14 +3681,14 @@
           <a:effectLst/>
           <a:extLst>
             <a:ext uri="{909E8E84-426E-40dd-AFC4-6F175D3DCCD1}">
-              <a14:hiddenFill xmlns:a14="http://schemas.microsoft.com/office/drawing/2010/main" xmlns="">
+              <a14:hiddenFill xmlns="" xmlns:a14="http://schemas.microsoft.com/office/drawing/2010/main">
                 <a:solidFill>
                   <a:schemeClr val="accent1"/>
                 </a:solidFill>
               </a14:hiddenFill>
             </a:ext>
             <a:ext uri="{91240B29-F687-4f45-9708-019B960494DF}">
-              <a14:hiddenLine xmlns:a14="http://schemas.microsoft.com/office/drawing/2010/main" xmlns="" w="9525">
+              <a14:hiddenLine xmlns="" xmlns:a14="http://schemas.microsoft.com/office/drawing/2010/main" w="9525">
                 <a:solidFill>
                   <a:schemeClr val="tx1"/>
                 </a:solidFill>
@@ -3698,7 +3698,7 @@
               </a14:hiddenLine>
             </a:ext>
             <a:ext uri="{AF507438-7753-43e0-B8FC-AC1667EBCBE1}">
-              <a14:hiddenEffects xmlns:a14="http://schemas.microsoft.com/office/drawing/2010/main" xmlns="">
+              <a14:hiddenEffects xmlns="" xmlns:a14="http://schemas.microsoft.com/office/drawing/2010/main">
                 <a:effectLst>
                   <a:outerShdw blurRad="63500" dist="38099" dir="2700000" algn="ctr" rotWithShape="0">
                     <a:schemeClr val="bg2">
@@ -3776,7 +3776,7 @@
           <a:noFill/>
           <a:extLst>
             <a:ext uri="{909E8E84-426E-40dd-AFC4-6F175D3DCCD1}">
-              <a14:hiddenFill xmlns:a14="http://schemas.microsoft.com/office/drawing/2010/main" xmlns="">
+              <a14:hiddenFill xmlns="" xmlns:a14="http://schemas.microsoft.com/office/drawing/2010/main">
                 <a:solidFill>
                   <a:srgbClr val="FFFFFF"/>
                 </a:solidFill>
@@ -4495,12 +4495,12 @@
           <a:effectLst/>
           <a:extLst>
             <a:ext uri="{909E8E84-426E-40dd-AFC4-6F175D3DCCD1}">
-              <a14:hiddenFill xmlns:a14="http://schemas.microsoft.com/office/drawing/2010/main" xmlns="">
+              <a14:hiddenFill xmlns="" xmlns:a14="http://schemas.microsoft.com/office/drawing/2010/main">
                 <a:noFill/>
               </a14:hiddenFill>
             </a:ext>
             <a:ext uri="{AF507438-7753-43e0-B8FC-AC1667EBCBE1}">
-              <a14:hiddenEffects xmlns:a14="http://schemas.microsoft.com/office/drawing/2010/main" xmlns="">
+              <a14:hiddenEffects xmlns="" xmlns:a14="http://schemas.microsoft.com/office/drawing/2010/main">
                 <a:effectLst>
                   <a:outerShdw blurRad="63500" dist="38099" dir="2700000" algn="ctr" rotWithShape="0">
                     <a:schemeClr val="bg2">
@@ -4554,12 +4554,12 @@
           <a:effectLst/>
           <a:extLst>
             <a:ext uri="{909E8E84-426E-40dd-AFC4-6F175D3DCCD1}">
-              <a14:hiddenFill xmlns:a14="http://schemas.microsoft.com/office/drawing/2010/main" xmlns="">
+              <a14:hiddenFill xmlns="" xmlns:a14="http://schemas.microsoft.com/office/drawing/2010/main">
                 <a:noFill/>
               </a14:hiddenFill>
             </a:ext>
             <a:ext uri="{AF507438-7753-43e0-B8FC-AC1667EBCBE1}">
-              <a14:hiddenEffects xmlns:a14="http://schemas.microsoft.com/office/drawing/2010/main" xmlns="">
+              <a14:hiddenEffects xmlns="" xmlns:a14="http://schemas.microsoft.com/office/drawing/2010/main">
                 <a:effectLst>
                   <a:outerShdw blurRad="63500" dist="38099" dir="2700000" algn="ctr" rotWithShape="0">
                     <a:schemeClr val="bg2">
@@ -4617,7 +4617,7 @@
           <a:effectLst/>
           <a:extLst>
             <a:ext uri="{AF507438-7753-43e0-B8FC-AC1667EBCBE1}">
-              <a14:hiddenEffects xmlns:a14="http://schemas.microsoft.com/office/drawing/2010/main" xmlns="">
+              <a14:hiddenEffects xmlns="" xmlns:a14="http://schemas.microsoft.com/office/drawing/2010/main">
                 <a:effectLst>
                   <a:outerShdw blurRad="63500" dist="38099" dir="2700000" algn="ctr" rotWithShape="0">
                     <a:schemeClr val="bg2">
@@ -4673,7 +4673,7 @@
           <a:effectLst/>
           <a:extLst>
             <a:ext uri="{AF507438-7753-43e0-B8FC-AC1667EBCBE1}">
-              <a14:hiddenEffects xmlns:a14="http://schemas.microsoft.com/office/drawing/2010/main" xmlns="">
+              <a14:hiddenEffects xmlns="" xmlns:a14="http://schemas.microsoft.com/office/drawing/2010/main">
                 <a:effectLst>
                   <a:outerShdw blurRad="63500" dist="38099" dir="2700000" algn="ctr" rotWithShape="0">
                     <a:schemeClr val="bg2">
@@ -4735,7 +4735,7 @@
           <a:noFill/>
           <a:extLst>
             <a:ext uri="{909E8E84-426E-40dd-AFC4-6F175D3DCCD1}">
-              <a14:hiddenFill xmlns:a14="http://schemas.microsoft.com/office/drawing/2010/main" xmlns="">
+              <a14:hiddenFill xmlns="" xmlns:a14="http://schemas.microsoft.com/office/drawing/2010/main">
                 <a:solidFill>
                   <a:srgbClr val="FFFFFF"/>
                 </a:solidFill>
@@ -4767,14 +4767,14 @@
           <a:effectLst/>
           <a:extLst>
             <a:ext uri="{909E8E84-426E-40dd-AFC4-6F175D3DCCD1}">
-              <a14:hiddenFill xmlns:a14="http://schemas.microsoft.com/office/drawing/2010/main" xmlns="">
+              <a14:hiddenFill xmlns="" xmlns:a14="http://schemas.microsoft.com/office/drawing/2010/main">
                 <a:solidFill>
                   <a:schemeClr val="accent1"/>
                 </a:solidFill>
               </a14:hiddenFill>
             </a:ext>
             <a:ext uri="{91240B29-F687-4f45-9708-019B960494DF}">
-              <a14:hiddenLine xmlns:a14="http://schemas.microsoft.com/office/drawing/2010/main" xmlns="" w="9525">
+              <a14:hiddenLine xmlns="" xmlns:a14="http://schemas.microsoft.com/office/drawing/2010/main" w="9525">
                 <a:solidFill>
                   <a:schemeClr val="tx1"/>
                 </a:solidFill>
@@ -4784,7 +4784,7 @@
               </a14:hiddenLine>
             </a:ext>
             <a:ext uri="{AF507438-7753-43e0-B8FC-AC1667EBCBE1}">
-              <a14:hiddenEffects xmlns:a14="http://schemas.microsoft.com/office/drawing/2010/main" xmlns="">
+              <a14:hiddenEffects xmlns="" xmlns:a14="http://schemas.microsoft.com/office/drawing/2010/main">
                 <a:effectLst>
                   <a:outerShdw blurRad="63500" dist="38099" dir="2700000" algn="ctr" rotWithShape="0">
                     <a:schemeClr val="bg2">
@@ -7553,11 +7553,7 @@
             <a:pPr algn="r"/>
             <a:r>
               <a:rPr kumimoji="1" lang="en-US" altLang="ja-JP" sz="1000" dirty="0" smtClean="0"/>
-              <a:t>Hi </a:t>
-            </a:r>
-            <a:r>
-              <a:rPr kumimoji="1" lang="en-US" altLang="ja-JP" sz="1000" dirty="0" smtClean="0"/>
-              <a:t>Viet Nguyen!</a:t>
+              <a:t>Hi Viet Nguyen!</a:t>
             </a:r>
             <a:endParaRPr kumimoji="1" lang="ja-JP" altLang="en-US" sz="1000" dirty="0">
               <a:solidFill>
@@ -9129,11 +9125,7 @@
           <a:p>
             <a:r>
               <a:rPr kumimoji="1" lang="en-US" altLang="ja-JP" dirty="0" smtClean="0"/>
-              <a:t>S-3-12 </a:t>
-            </a:r>
-            <a:r>
-              <a:rPr kumimoji="1" lang="en-US" altLang="ja-JP" dirty="0" smtClean="0"/>
-              <a:t>Edit profile</a:t>
+              <a:t>S-3-12 Edit profile</a:t>
             </a:r>
             <a:endParaRPr kumimoji="1" lang="ja-JP" altLang="en-US" dirty="0"/>
           </a:p>
@@ -9223,11 +9215,7 @@
             <a:pPr algn="r"/>
             <a:r>
               <a:rPr kumimoji="1" lang="en-US" altLang="ja-JP" sz="1000" dirty="0" smtClean="0"/>
-              <a:t>Hi </a:t>
-            </a:r>
-            <a:r>
-              <a:rPr kumimoji="1" lang="en-US" altLang="ja-JP" sz="1000" dirty="0" smtClean="0"/>
-              <a:t>Viet Nguyen!</a:t>
+              <a:t>Hi Viet Nguyen!</a:t>
             </a:r>
             <a:endParaRPr kumimoji="1" lang="ja-JP" altLang="en-US" sz="1000" dirty="0">
               <a:solidFill>
@@ -11149,11 +11137,7 @@
           <a:p>
             <a:r>
               <a:rPr kumimoji="1" lang="en-US" altLang="ja-JP" dirty="0" smtClean="0"/>
-              <a:t>S-3-11 </a:t>
-            </a:r>
-            <a:r>
-              <a:rPr kumimoji="1" lang="en-US" altLang="ja-JP" dirty="0" smtClean="0"/>
-              <a:t>Change password</a:t>
+              <a:t>S-3-11 Change password</a:t>
             </a:r>
             <a:endParaRPr kumimoji="1" lang="ja-JP" altLang="en-US" dirty="0"/>
           </a:p>
@@ -12512,11 +12496,7 @@
           <a:p>
             <a:r>
               <a:rPr kumimoji="1" lang="en-US" altLang="ja-JP" dirty="0" smtClean="0"/>
-              <a:t>S-4-1 </a:t>
-            </a:r>
-            <a:r>
-              <a:rPr kumimoji="1" lang="en-US" altLang="ja-JP" dirty="0" smtClean="0"/>
-              <a:t>Register</a:t>
+              <a:t>S-4-1 Register</a:t>
             </a:r>
             <a:endParaRPr kumimoji="1" lang="ja-JP" altLang="en-US" dirty="0"/>
           </a:p>
@@ -14664,11 +14644,7 @@
           <a:p>
             <a:r>
               <a:rPr kumimoji="1" lang="en-US" altLang="ja-JP" dirty="0" smtClean="0"/>
-              <a:t>S-5-1 </a:t>
-            </a:r>
-            <a:r>
-              <a:rPr kumimoji="1" lang="en-US" altLang="ja-JP" dirty="0" smtClean="0"/>
-              <a:t>Search result</a:t>
+              <a:t>S-5-1 Search result</a:t>
             </a:r>
             <a:endParaRPr kumimoji="1" lang="ja-JP" altLang="en-US" dirty="0"/>
           </a:p>
@@ -14710,11 +14686,7 @@
             <a:pPr algn="r"/>
             <a:r>
               <a:rPr kumimoji="1" lang="en-US" altLang="ja-JP" sz="1000" dirty="0" smtClean="0"/>
-              <a:t>Hi </a:t>
-            </a:r>
-            <a:r>
-              <a:rPr kumimoji="1" lang="en-US" altLang="ja-JP" sz="1000" dirty="0" smtClean="0"/>
-              <a:t>Viet Nguyen!</a:t>
+              <a:t>Hi Viet Nguyen!</a:t>
             </a:r>
             <a:endParaRPr kumimoji="1" lang="ja-JP" altLang="en-US" sz="1000" dirty="0">
               <a:solidFill>
@@ -15623,15 +15595,7 @@
                       <a:srgbClr val="FF0000"/>
                     </a:solidFill>
                   </a:rPr>
-                  <a:t>(</a:t>
-                </a:r>
-                <a:r>
-                  <a:rPr kumimoji="1" lang="en-US" altLang="ja-JP" sz="1000" dirty="0" smtClean="0">
-                    <a:solidFill>
-                      <a:srgbClr val="FF0000"/>
-                    </a:solidFill>
-                  </a:rPr>
-                  <a:t>3)</a:t>
+                  <a:t>(3)</a:t>
                 </a:r>
                 <a:endParaRPr kumimoji="1" lang="ja-JP" altLang="en-US" sz="1000" dirty="0">
                   <a:solidFill>
@@ -16080,11 +16044,7 @@
               <a:pPr algn="just"/>
               <a:r>
                 <a:rPr kumimoji="1" lang="en-US" altLang="ja-JP" sz="1000" dirty="0" smtClean="0"/>
-                <a:t>Ngoc </a:t>
-              </a:r>
-              <a:r>
-                <a:rPr kumimoji="1" lang="en-US" altLang="ja-JP" sz="1000" dirty="0" smtClean="0"/>
-                <a:t>Viet</a:t>
+                <a:t>Ngoc Viet</a:t>
               </a:r>
               <a:endParaRPr kumimoji="1" lang="ja-JP" altLang="en-US" sz="1000" dirty="0"/>
             </a:p>
@@ -16505,20 +16465,21 @@
               <a:rPr kumimoji="1" lang="en-US" altLang="ja-JP" sz="1000" dirty="0" smtClean="0"/>
               <a:t>Welcome</a:t>
             </a:r>
-            <a:endParaRPr kumimoji="1" lang="en-US" altLang="ja-JP" sz="1000" dirty="0" smtClean="0"/>
           </a:p>
         </p:txBody>
       </p:sp>
       <p:cxnSp>
         <p:nvCxnSpPr>
           <p:cNvPr id="16" name="Straight Arrow Connector 15"/>
-          <p:cNvCxnSpPr/>
+          <p:cNvCxnSpPr>
+            <a:endCxn id="17" idx="1"/>
+          </p:cNvCxnSpPr>
           <p:nvPr/>
         </p:nvCxnSpPr>
         <p:spPr>
           <a:xfrm>
             <a:off x="1197106" y="664029"/>
-            <a:ext cx="557784" cy="0"/>
+            <a:ext cx="597285" cy="5988"/>
           </a:xfrm>
           <a:prstGeom prst="straightConnector1">
             <a:avLst/>
@@ -16554,7 +16515,7 @@
         </p:nvSpPr>
         <p:spPr>
           <a:xfrm>
-            <a:off x="1754890" y="539448"/>
+            <a:off x="1794391" y="524874"/>
             <a:ext cx="598646" cy="290286"/>
           </a:xfrm>
           <a:prstGeom prst="rect">
@@ -16597,7 +16558,7 @@
         </p:nvSpPr>
         <p:spPr>
           <a:xfrm>
-            <a:off x="1751483" y="829734"/>
+            <a:off x="1678055" y="796102"/>
             <a:ext cx="463376" cy="246221"/>
           </a:xfrm>
           <a:prstGeom prst="rect">
@@ -16627,7 +16588,7 @@
         </p:nvSpPr>
         <p:spPr>
           <a:xfrm>
-            <a:off x="1764246" y="1830431"/>
+            <a:off x="1781925" y="3151874"/>
             <a:ext cx="598646" cy="290286"/>
           </a:xfrm>
           <a:prstGeom prst="rect">
@@ -16670,7 +16631,7 @@
         </p:nvSpPr>
         <p:spPr>
           <a:xfrm>
-            <a:off x="1722346" y="2127004"/>
+            <a:off x="1740025" y="3448447"/>
             <a:ext cx="779381" cy="246221"/>
           </a:xfrm>
           <a:prstGeom prst="rect">
@@ -16688,7 +16649,6 @@
               <a:rPr kumimoji="1" lang="en-US" altLang="ja-JP" sz="1000" dirty="0" smtClean="0"/>
               <a:t>Home Page</a:t>
             </a:r>
-            <a:endParaRPr kumimoji="1" lang="en-US" altLang="ja-JP" sz="1000" dirty="0" smtClean="0"/>
           </a:p>
         </p:txBody>
       </p:sp>
@@ -16703,7 +16663,7 @@
         <p:spPr>
           <a:xfrm>
             <a:off x="888932" y="665238"/>
-            <a:ext cx="321967" cy="5914572"/>
+            <a:ext cx="305200" cy="5573386"/>
           </a:xfrm>
           <a:prstGeom prst="bentConnector2">
             <a:avLst/>
@@ -16741,7 +16701,7 @@
         </p:nvCxnSpPr>
         <p:spPr>
           <a:xfrm flipV="1">
-            <a:off x="2372248" y="1972255"/>
+            <a:off x="2389927" y="3293698"/>
             <a:ext cx="1423983" cy="3319"/>
           </a:xfrm>
           <a:prstGeom prst="straightConnector1">
@@ -16778,7 +16738,7 @@
         </p:nvSpPr>
         <p:spPr>
           <a:xfrm>
-            <a:off x="3796231" y="1827112"/>
+            <a:off x="3813910" y="3148555"/>
             <a:ext cx="598646" cy="290286"/>
           </a:xfrm>
           <a:prstGeom prst="rect">
@@ -16821,7 +16781,7 @@
         </p:nvSpPr>
         <p:spPr>
           <a:xfrm>
-            <a:off x="3723363" y="2152110"/>
+            <a:off x="3741042" y="3473553"/>
             <a:ext cx="801823" cy="400110"/>
           </a:xfrm>
           <a:prstGeom prst="rect">
@@ -16854,7 +16814,7 @@
         </p:nvCxnSpPr>
         <p:spPr>
           <a:xfrm>
-            <a:off x="2993467" y="1982831"/>
+            <a:off x="3011146" y="3304274"/>
             <a:ext cx="4242" cy="2028543"/>
           </a:xfrm>
           <a:prstGeom prst="line">
@@ -16892,7 +16852,7 @@
         </p:nvCxnSpPr>
         <p:spPr>
           <a:xfrm>
-            <a:off x="2993466" y="3248622"/>
+            <a:off x="3011145" y="4570065"/>
             <a:ext cx="802765" cy="0"/>
           </a:xfrm>
           <a:prstGeom prst="straightConnector1">
@@ -16929,7 +16889,7 @@
         </p:nvSpPr>
         <p:spPr>
           <a:xfrm>
-            <a:off x="3796231" y="3103479"/>
+            <a:off x="3813910" y="4424922"/>
             <a:ext cx="598646" cy="290286"/>
           </a:xfrm>
           <a:prstGeom prst="rect">
@@ -16972,7 +16932,7 @@
         </p:nvSpPr>
         <p:spPr>
           <a:xfrm>
-            <a:off x="1786228" y="3393793"/>
+            <a:off x="1754890" y="1621975"/>
             <a:ext cx="620683" cy="246221"/>
           </a:xfrm>
           <a:prstGeom prst="rect">
@@ -17002,7 +16962,7 @@
         </p:nvCxnSpPr>
         <p:spPr>
           <a:xfrm>
-            <a:off x="1193699" y="1972255"/>
+            <a:off x="1211378" y="3293698"/>
             <a:ext cx="557784" cy="0"/>
           </a:xfrm>
           <a:prstGeom prst="straightConnector1">
@@ -17039,7 +16999,7 @@
         </p:nvSpPr>
         <p:spPr>
           <a:xfrm>
-            <a:off x="1806136" y="3096092"/>
+            <a:off x="1786228" y="1316970"/>
             <a:ext cx="598646" cy="290286"/>
           </a:xfrm>
           <a:prstGeom prst="rect">
@@ -17082,7 +17042,7 @@
         </p:nvSpPr>
         <p:spPr>
           <a:xfrm>
-            <a:off x="3726899" y="3414729"/>
+            <a:off x="3744578" y="4736172"/>
             <a:ext cx="700833" cy="246221"/>
           </a:xfrm>
           <a:prstGeom prst="rect">
@@ -17116,7 +17076,7 @@
         </p:nvSpPr>
         <p:spPr>
           <a:xfrm>
-            <a:off x="1696164" y="4682085"/>
+            <a:off x="1648065" y="2488795"/>
             <a:ext cx="864339" cy="246221"/>
           </a:xfrm>
           <a:prstGeom prst="rect">
@@ -17146,7 +17106,7 @@
         </p:nvCxnSpPr>
         <p:spPr>
           <a:xfrm>
-            <a:off x="1228444" y="3244122"/>
+            <a:off x="1228444" y="1465000"/>
             <a:ext cx="557784" cy="0"/>
           </a:xfrm>
           <a:prstGeom prst="straightConnector1">
@@ -17183,7 +17143,7 @@
         </p:nvSpPr>
         <p:spPr>
           <a:xfrm>
-            <a:off x="1786228" y="4376508"/>
+            <a:off x="1786228" y="2185430"/>
             <a:ext cx="598646" cy="290286"/>
           </a:xfrm>
           <a:prstGeom prst="rect">
@@ -17221,14 +17181,12 @@
       <p:cxnSp>
         <p:nvCxnSpPr>
           <p:cNvPr id="52" name="Straight Arrow Connector 51"/>
-          <p:cNvCxnSpPr>
-            <a:endCxn id="53" idx="1"/>
-          </p:cNvCxnSpPr>
+          <p:cNvCxnSpPr/>
           <p:nvPr/>
         </p:nvCxnSpPr>
         <p:spPr>
           <a:xfrm>
-            <a:off x="2974575" y="4002781"/>
+            <a:off x="2992254" y="5324224"/>
             <a:ext cx="803418" cy="0"/>
           </a:xfrm>
           <a:prstGeom prst="straightConnector1">
@@ -17265,7 +17223,7 @@
         </p:nvSpPr>
         <p:spPr>
           <a:xfrm>
-            <a:off x="3777993" y="3857638"/>
+            <a:off x="3757784" y="5179081"/>
             <a:ext cx="598646" cy="290286"/>
           </a:xfrm>
           <a:prstGeom prst="rect">
@@ -17308,7 +17266,7 @@
         </p:nvSpPr>
         <p:spPr>
           <a:xfrm>
-            <a:off x="3777993" y="4156516"/>
+            <a:off x="3777993" y="5493668"/>
             <a:ext cx="544528" cy="246221"/>
           </a:xfrm>
           <a:prstGeom prst="rect">
@@ -17341,7 +17299,7 @@
         </p:nvCxnSpPr>
         <p:spPr>
           <a:xfrm>
-            <a:off x="4394877" y="1972255"/>
+            <a:off x="4412556" y="3293698"/>
             <a:ext cx="3522666" cy="10576"/>
           </a:xfrm>
           <a:prstGeom prst="straightConnector1">
@@ -17378,7 +17336,7 @@
         </p:nvSpPr>
         <p:spPr>
           <a:xfrm>
-            <a:off x="7917543" y="1837688"/>
+            <a:off x="7935222" y="3159131"/>
             <a:ext cx="598646" cy="290286"/>
           </a:xfrm>
           <a:prstGeom prst="rect">
@@ -17421,7 +17379,7 @@
         </p:nvSpPr>
         <p:spPr>
           <a:xfrm>
-            <a:off x="7871101" y="2158607"/>
+            <a:off x="7888780" y="3480050"/>
             <a:ext cx="784189" cy="246221"/>
           </a:xfrm>
           <a:prstGeom prst="rect">
@@ -17437,11 +17395,7 @@
           <a:p>
             <a:r>
               <a:rPr kumimoji="1" lang="en-US" altLang="ja-JP" sz="1000" dirty="0" smtClean="0"/>
-              <a:t>Delete </a:t>
-            </a:r>
-            <a:r>
-              <a:rPr kumimoji="1" lang="en-US" altLang="ja-JP" sz="1000" dirty="0" smtClean="0"/>
-              <a:t>post</a:t>
+              <a:t>Delete post</a:t>
             </a:r>
             <a:endParaRPr kumimoji="1" lang="ja-JP" altLang="en-US" sz="1000" dirty="0"/>
           </a:p>
@@ -17458,7 +17412,7 @@
         </p:nvCxnSpPr>
         <p:spPr>
           <a:xfrm flipV="1">
-            <a:off x="6886424" y="2602251"/>
+            <a:off x="6904103" y="3923694"/>
             <a:ext cx="1031119" cy="723"/>
           </a:xfrm>
           <a:prstGeom prst="straightConnector1">
@@ -17495,7 +17449,7 @@
         </p:nvSpPr>
         <p:spPr>
           <a:xfrm>
-            <a:off x="6287778" y="2457831"/>
+            <a:off x="6305457" y="3779274"/>
             <a:ext cx="598646" cy="290286"/>
           </a:xfrm>
           <a:prstGeom prst="rect">
@@ -17538,7 +17492,7 @@
         </p:nvSpPr>
         <p:spPr>
           <a:xfrm>
-            <a:off x="7758409" y="2799674"/>
+            <a:off x="7776088" y="4121117"/>
             <a:ext cx="916913" cy="246221"/>
           </a:xfrm>
           <a:prstGeom prst="rect">
@@ -17570,7 +17524,7 @@
         </p:nvCxnSpPr>
         <p:spPr>
           <a:xfrm>
-            <a:off x="7141769" y="2629053"/>
+            <a:off x="7159448" y="3950496"/>
             <a:ext cx="774838" cy="593574"/>
           </a:xfrm>
           <a:prstGeom prst="bentConnector3">
@@ -17609,7 +17563,7 @@
         </p:nvSpPr>
         <p:spPr>
           <a:xfrm>
-            <a:off x="5339885" y="3098979"/>
+            <a:off x="5357564" y="4420422"/>
             <a:ext cx="598646" cy="290286"/>
           </a:xfrm>
           <a:prstGeom prst="rect">
@@ -17652,7 +17606,7 @@
         </p:nvSpPr>
         <p:spPr>
           <a:xfrm>
-            <a:off x="5097457" y="3379276"/>
+            <a:off x="5115136" y="4700719"/>
             <a:ext cx="1102886" cy="246221"/>
           </a:xfrm>
           <a:prstGeom prst="rect">
@@ -17682,7 +17636,7 @@
         </p:nvSpPr>
         <p:spPr>
           <a:xfrm>
-            <a:off x="7917543" y="2457108"/>
+            <a:off x="7935222" y="3778551"/>
             <a:ext cx="598646" cy="290286"/>
           </a:xfrm>
           <a:prstGeom prst="rect">
@@ -17725,7 +17679,7 @@
         </p:nvSpPr>
         <p:spPr>
           <a:xfrm>
-            <a:off x="6211838" y="2721731"/>
+            <a:off x="6229517" y="4043174"/>
             <a:ext cx="750526" cy="246221"/>
           </a:xfrm>
           <a:prstGeom prst="rect">
@@ -17755,7 +17709,7 @@
         </p:nvSpPr>
         <p:spPr>
           <a:xfrm>
-            <a:off x="7664025" y="3366814"/>
+            <a:off x="7681704" y="4688257"/>
             <a:ext cx="1058303" cy="246221"/>
           </a:xfrm>
           <a:prstGeom prst="rect">
@@ -17771,15 +17725,7 @@
           <a:p>
             <a:r>
               <a:rPr kumimoji="1" lang="en-US" altLang="ja-JP" sz="1000" dirty="0" smtClean="0"/>
-              <a:t>Delete</a:t>
-            </a:r>
-            <a:r>
-              <a:rPr kumimoji="1" lang="en-US" altLang="ja-JP" sz="1000" dirty="0" smtClean="0"/>
-              <a:t> </a:t>
-            </a:r>
-            <a:r>
-              <a:rPr kumimoji="1" lang="en-US" altLang="ja-JP" sz="1000" dirty="0" smtClean="0"/>
-              <a:t>comment</a:t>
+              <a:t>Delete comment</a:t>
             </a:r>
             <a:endParaRPr kumimoji="1" lang="ja-JP" altLang="en-US" sz="1000" dirty="0"/>
           </a:p>
@@ -17793,7 +17739,7 @@
         </p:nvSpPr>
         <p:spPr>
           <a:xfrm>
-            <a:off x="7916607" y="3077484"/>
+            <a:off x="7934286" y="4398927"/>
             <a:ext cx="598646" cy="290286"/>
           </a:xfrm>
           <a:prstGeom prst="rect">
@@ -17838,7 +17784,7 @@
         </p:nvCxnSpPr>
         <p:spPr>
           <a:xfrm>
-            <a:off x="6587101" y="1981911"/>
+            <a:off x="6604780" y="3303354"/>
             <a:ext cx="0" cy="475920"/>
           </a:xfrm>
           <a:prstGeom prst="straightConnector1">
@@ -17875,7 +17821,7 @@
         </p:nvSpPr>
         <p:spPr>
           <a:xfrm>
-            <a:off x="5339885" y="3721088"/>
+            <a:off x="5357564" y="5042531"/>
             <a:ext cx="598646" cy="290286"/>
           </a:xfrm>
           <a:prstGeom prst="rect">
@@ -17918,7 +17864,7 @@
         </p:nvSpPr>
         <p:spPr>
           <a:xfrm>
-            <a:off x="5276170" y="4033406"/>
+            <a:off x="5293849" y="5354849"/>
             <a:ext cx="662361" cy="246221"/>
           </a:xfrm>
           <a:prstGeom prst="rect">
@@ -17955,7 +17901,7 @@
         </p:nvCxnSpPr>
         <p:spPr>
           <a:xfrm flipV="1">
-            <a:off x="4394877" y="3244122"/>
+            <a:off x="4412556" y="4565565"/>
             <a:ext cx="945008" cy="4500"/>
           </a:xfrm>
           <a:prstGeom prst="straightConnector1">
@@ -17994,7 +17940,7 @@
         </p:nvCxnSpPr>
         <p:spPr>
           <a:xfrm rot="16200000" flipH="1">
-            <a:off x="4794766" y="3321112"/>
+            <a:off x="4812445" y="4642555"/>
             <a:ext cx="643604" cy="446633"/>
           </a:xfrm>
           <a:prstGeom prst="bentConnector2">
@@ -18031,7 +17977,7 @@
         </p:nvSpPr>
         <p:spPr>
           <a:xfrm>
-            <a:off x="7911211" y="1180230"/>
+            <a:off x="7935222" y="2488795"/>
             <a:ext cx="598646" cy="290286"/>
           </a:xfrm>
           <a:prstGeom prst="rect">
@@ -18074,7 +18020,7 @@
         </p:nvSpPr>
         <p:spPr>
           <a:xfrm>
-            <a:off x="7888458" y="1460605"/>
+            <a:off x="7912469" y="2769170"/>
             <a:ext cx="644152" cy="246221"/>
           </a:xfrm>
           <a:prstGeom prst="rect">
@@ -18099,14 +18045,12 @@
       <p:cxnSp>
         <p:nvCxnSpPr>
           <p:cNvPr id="120" name="Straight Arrow Connector 75"/>
-          <p:cNvCxnSpPr>
-            <a:endCxn id="118" idx="1"/>
-          </p:cNvCxnSpPr>
+          <p:cNvCxnSpPr/>
           <p:nvPr/>
         </p:nvCxnSpPr>
         <p:spPr>
           <a:xfrm flipV="1">
-            <a:off x="7116562" y="1325373"/>
+            <a:off x="7168989" y="2660172"/>
             <a:ext cx="794649" cy="631379"/>
           </a:xfrm>
           <a:prstGeom prst="bentConnector3">
@@ -18145,7 +18089,7 @@
         </p:nvSpPr>
         <p:spPr>
           <a:xfrm>
-            <a:off x="5323235" y="1846289"/>
+            <a:off x="5340914" y="3167732"/>
             <a:ext cx="598646" cy="290286"/>
           </a:xfrm>
           <a:prstGeom prst="rect">
@@ -18188,7 +18132,7 @@
         </p:nvSpPr>
         <p:spPr>
           <a:xfrm>
-            <a:off x="5294819" y="2137111"/>
+            <a:off x="5312498" y="3458554"/>
             <a:ext cx="761747" cy="246221"/>
           </a:xfrm>
           <a:prstGeom prst="rect">
@@ -18218,7 +18162,7 @@
         </p:nvCxnSpPr>
         <p:spPr>
           <a:xfrm>
-            <a:off x="1210899" y="4529997"/>
+            <a:off x="1210899" y="2338919"/>
             <a:ext cx="557784" cy="0"/>
           </a:xfrm>
           <a:prstGeom prst="straightConnector1">
@@ -18257,7 +18201,7 @@
         </p:nvCxnSpPr>
         <p:spPr>
           <a:xfrm>
-            <a:off x="2975228" y="2549833"/>
+            <a:off x="2992907" y="3871276"/>
             <a:ext cx="802765" cy="0"/>
           </a:xfrm>
           <a:prstGeom prst="straightConnector1">
@@ -18294,7 +18238,7 @@
         </p:nvSpPr>
         <p:spPr>
           <a:xfrm>
-            <a:off x="3777993" y="2404690"/>
+            <a:off x="3795672" y="3726133"/>
             <a:ext cx="598646" cy="290286"/>
           </a:xfrm>
           <a:prstGeom prst="rect">
@@ -18337,7 +18281,7 @@
         </p:nvSpPr>
         <p:spPr>
           <a:xfrm>
-            <a:off x="3726899" y="2721078"/>
+            <a:off x="3744578" y="4042521"/>
             <a:ext cx="676788" cy="246221"/>
           </a:xfrm>
           <a:prstGeom prst="rect">
@@ -18359,6 +18303,438 @@
           </a:p>
         </p:txBody>
       </p:sp>
+      <p:cxnSp>
+        <p:nvCxnSpPr>
+          <p:cNvPr id="61" name="Straight Arrow Connector 60"/>
+          <p:cNvCxnSpPr>
+            <a:endCxn id="20" idx="0"/>
+          </p:cNvCxnSpPr>
+          <p:nvPr/>
+        </p:nvCxnSpPr>
+        <p:spPr>
+          <a:xfrm flipH="1">
+            <a:off x="2081248" y="2488795"/>
+            <a:ext cx="12466" cy="663079"/>
+          </a:xfrm>
+          <a:prstGeom prst="straightConnector1">
+            <a:avLst/>
+          </a:prstGeom>
+          <a:ln>
+            <a:solidFill>
+              <a:schemeClr val="tx1"/>
+            </a:solidFill>
+            <a:tailEnd type="arrow"/>
+          </a:ln>
+          <a:effectLst/>
+        </p:spPr>
+        <p:style>
+          <a:lnRef idx="2">
+            <a:schemeClr val="accent1"/>
+          </a:lnRef>
+          <a:fillRef idx="0">
+            <a:schemeClr val="accent1"/>
+          </a:fillRef>
+          <a:effectRef idx="1">
+            <a:schemeClr val="accent1"/>
+          </a:effectRef>
+          <a:fontRef idx="minor">
+            <a:schemeClr val="tx1"/>
+          </a:fontRef>
+        </p:style>
+      </p:cxnSp>
+      <p:cxnSp>
+        <p:nvCxnSpPr>
+          <p:cNvPr id="10" name="Elbow Connector 9"/>
+          <p:cNvCxnSpPr>
+            <a:stCxn id="118" idx="3"/>
+            <a:endCxn id="126" idx="0"/>
+          </p:cNvCxnSpPr>
+          <p:nvPr/>
+        </p:nvCxnSpPr>
+        <p:spPr>
+          <a:xfrm flipH="1">
+            <a:off x="5640237" y="2633938"/>
+            <a:ext cx="2893631" cy="533794"/>
+          </a:xfrm>
+          <a:prstGeom prst="bentConnector4">
+            <a:avLst>
+              <a:gd name="adj1" fmla="val -12289"/>
+              <a:gd name="adj2" fmla="val -186221"/>
+            </a:avLst>
+          </a:prstGeom>
+          <a:ln>
+            <a:solidFill>
+              <a:schemeClr val="tx1"/>
+            </a:solidFill>
+            <a:tailEnd type="triangle"/>
+          </a:ln>
+        </p:spPr>
+        <p:style>
+          <a:lnRef idx="2">
+            <a:schemeClr val="accent1"/>
+          </a:lnRef>
+          <a:fillRef idx="0">
+            <a:schemeClr val="accent1"/>
+          </a:fillRef>
+          <a:effectRef idx="1">
+            <a:schemeClr val="accent1"/>
+          </a:effectRef>
+          <a:fontRef idx="minor">
+            <a:schemeClr val="tx1"/>
+          </a:fontRef>
+        </p:style>
+      </p:cxnSp>
+      <p:cxnSp>
+        <p:nvCxnSpPr>
+          <p:cNvPr id="15" name="Elbow Connector 14"/>
+          <p:cNvCxnSpPr>
+            <a:stCxn id="70" idx="3"/>
+          </p:cNvCxnSpPr>
+          <p:nvPr/>
+        </p:nvCxnSpPr>
+        <p:spPr>
+          <a:xfrm flipV="1">
+            <a:off x="8533868" y="2646557"/>
+            <a:ext cx="355317" cy="657717"/>
+          </a:xfrm>
+          <a:prstGeom prst="bentConnector2">
+            <a:avLst/>
+          </a:prstGeom>
+          <a:ln>
+            <a:solidFill>
+              <a:schemeClr val="tx1"/>
+            </a:solidFill>
+          </a:ln>
+        </p:spPr>
+        <p:style>
+          <a:lnRef idx="2">
+            <a:schemeClr val="accent1"/>
+          </a:lnRef>
+          <a:fillRef idx="0">
+            <a:schemeClr val="accent1"/>
+          </a:fillRef>
+          <a:effectRef idx="1">
+            <a:schemeClr val="accent1"/>
+          </a:effectRef>
+          <a:fontRef idx="minor">
+            <a:schemeClr val="tx1"/>
+          </a:fontRef>
+        </p:style>
+      </p:cxnSp>
+      <p:cxnSp>
+        <p:nvCxnSpPr>
+          <p:cNvPr id="26" name="Elbow Connector 25"/>
+          <p:cNvCxnSpPr>
+            <a:stCxn id="68" idx="3"/>
+            <a:endCxn id="74" idx="2"/>
+          </p:cNvCxnSpPr>
+          <p:nvPr/>
+        </p:nvCxnSpPr>
+        <p:spPr>
+          <a:xfrm flipH="1" flipV="1">
+            <a:off x="6604780" y="4069560"/>
+            <a:ext cx="1928152" cy="474510"/>
+          </a:xfrm>
+          <a:prstGeom prst="bentConnector4">
+            <a:avLst>
+              <a:gd name="adj1" fmla="val -19760"/>
+              <a:gd name="adj2" fmla="val -148822"/>
+            </a:avLst>
+          </a:prstGeom>
+          <a:ln>
+            <a:solidFill>
+              <a:schemeClr val="tx1"/>
+            </a:solidFill>
+            <a:tailEnd type="triangle"/>
+          </a:ln>
+        </p:spPr>
+        <p:style>
+          <a:lnRef idx="2">
+            <a:schemeClr val="accent1"/>
+          </a:lnRef>
+          <a:fillRef idx="0">
+            <a:schemeClr val="accent1"/>
+          </a:fillRef>
+          <a:effectRef idx="1">
+            <a:schemeClr val="accent1"/>
+          </a:effectRef>
+          <a:fontRef idx="minor">
+            <a:schemeClr val="tx1"/>
+          </a:fontRef>
+        </p:style>
+      </p:cxnSp>
+      <p:cxnSp>
+        <p:nvCxnSpPr>
+          <p:cNvPr id="39" name="Elbow Connector 38"/>
+          <p:cNvCxnSpPr/>
+          <p:nvPr/>
+        </p:nvCxnSpPr>
+        <p:spPr>
+          <a:xfrm>
+            <a:off x="8559268" y="3923694"/>
+            <a:ext cx="355317" cy="650897"/>
+          </a:xfrm>
+          <a:prstGeom prst="bentConnector2">
+            <a:avLst/>
+          </a:prstGeom>
+          <a:ln>
+            <a:solidFill>
+              <a:schemeClr val="tx1"/>
+            </a:solidFill>
+          </a:ln>
+        </p:spPr>
+        <p:style>
+          <a:lnRef idx="2">
+            <a:schemeClr val="accent1"/>
+          </a:lnRef>
+          <a:fillRef idx="0">
+            <a:schemeClr val="accent1"/>
+          </a:fillRef>
+          <a:effectRef idx="1">
+            <a:schemeClr val="accent1"/>
+          </a:effectRef>
+          <a:fontRef idx="minor">
+            <a:schemeClr val="tx1"/>
+          </a:fontRef>
+        </p:style>
+      </p:cxnSp>
+      <p:cxnSp>
+        <p:nvCxnSpPr>
+          <p:cNvPr id="47" name="Elbow Connector 46"/>
+          <p:cNvCxnSpPr>
+            <a:stCxn id="77" idx="3"/>
+            <a:endCxn id="32" idx="0"/>
+          </p:cNvCxnSpPr>
+          <p:nvPr/>
+        </p:nvCxnSpPr>
+        <p:spPr>
+          <a:xfrm flipH="1" flipV="1">
+            <a:off x="4113233" y="4424922"/>
+            <a:ext cx="1842977" cy="140643"/>
+          </a:xfrm>
+          <a:prstGeom prst="bentConnector4">
+            <a:avLst>
+              <a:gd name="adj1" fmla="val -12404"/>
+              <a:gd name="adj2" fmla="val 202529"/>
+            </a:avLst>
+          </a:prstGeom>
+          <a:ln>
+            <a:solidFill>
+              <a:schemeClr val="tx1"/>
+            </a:solidFill>
+            <a:tailEnd type="triangle"/>
+          </a:ln>
+        </p:spPr>
+        <p:style>
+          <a:lnRef idx="2">
+            <a:schemeClr val="accent1"/>
+          </a:lnRef>
+          <a:fillRef idx="0">
+            <a:schemeClr val="accent1"/>
+          </a:fillRef>
+          <a:effectRef idx="1">
+            <a:schemeClr val="accent1"/>
+          </a:effectRef>
+          <a:fontRef idx="minor">
+            <a:schemeClr val="tx1"/>
+          </a:fontRef>
+        </p:style>
+      </p:cxnSp>
+      <p:cxnSp>
+        <p:nvCxnSpPr>
+          <p:cNvPr id="57" name="Elbow Connector 56"/>
+          <p:cNvCxnSpPr/>
+          <p:nvPr/>
+        </p:nvCxnSpPr>
+        <p:spPr>
+          <a:xfrm flipV="1">
+            <a:off x="5968910" y="4574591"/>
+            <a:ext cx="217679" cy="613083"/>
+          </a:xfrm>
+          <a:prstGeom prst="bentConnector2">
+            <a:avLst/>
+          </a:prstGeom>
+          <a:ln>
+            <a:solidFill>
+              <a:schemeClr val="tx1"/>
+            </a:solidFill>
+          </a:ln>
+        </p:spPr>
+        <p:style>
+          <a:lnRef idx="2">
+            <a:schemeClr val="accent1"/>
+          </a:lnRef>
+          <a:fillRef idx="0">
+            <a:schemeClr val="accent1"/>
+          </a:fillRef>
+          <a:effectRef idx="1">
+            <a:schemeClr val="accent1"/>
+          </a:effectRef>
+          <a:fontRef idx="minor">
+            <a:schemeClr val="tx1"/>
+          </a:fontRef>
+        </p:style>
+      </p:cxnSp>
+      <p:cxnSp>
+        <p:nvCxnSpPr>
+          <p:cNvPr id="63" name="Elbow Connector 62"/>
+          <p:cNvCxnSpPr>
+            <a:stCxn id="53" idx="3"/>
+          </p:cNvCxnSpPr>
+          <p:nvPr/>
+        </p:nvCxnSpPr>
+        <p:spPr>
+          <a:xfrm flipH="1">
+            <a:off x="1188874" y="5324224"/>
+            <a:ext cx="3167556" cy="914400"/>
+          </a:xfrm>
+          <a:prstGeom prst="bentConnector3">
+            <a:avLst>
+              <a:gd name="adj1" fmla="val -7217"/>
+            </a:avLst>
+          </a:prstGeom>
+          <a:ln>
+            <a:solidFill>
+              <a:schemeClr val="tx1"/>
+            </a:solidFill>
+            <a:tailEnd type="triangle"/>
+          </a:ln>
+        </p:spPr>
+        <p:style>
+          <a:lnRef idx="2">
+            <a:schemeClr val="accent1"/>
+          </a:lnRef>
+          <a:fillRef idx="0">
+            <a:schemeClr val="accent1"/>
+          </a:fillRef>
+          <a:effectRef idx="1">
+            <a:schemeClr val="accent1"/>
+          </a:effectRef>
+          <a:fontRef idx="minor">
+            <a:schemeClr val="tx1"/>
+          </a:fontRef>
+        </p:style>
+      </p:cxnSp>
+      <p:cxnSp>
+        <p:nvCxnSpPr>
+          <p:cNvPr id="92" name="Straight Arrow Connector 75"/>
+          <p:cNvCxnSpPr>
+            <a:stCxn id="140" idx="3"/>
+            <a:endCxn id="126" idx="2"/>
+          </p:cNvCxnSpPr>
+          <p:nvPr/>
+        </p:nvCxnSpPr>
+        <p:spPr>
+          <a:xfrm flipV="1">
+            <a:off x="4394318" y="3458018"/>
+            <a:ext cx="1245919" cy="413258"/>
+          </a:xfrm>
+          <a:prstGeom prst="bentConnector2">
+            <a:avLst/>
+          </a:prstGeom>
+          <a:ln>
+            <a:solidFill>
+              <a:schemeClr val="tx1"/>
+            </a:solidFill>
+            <a:tailEnd type="arrow"/>
+          </a:ln>
+          <a:effectLst/>
+        </p:spPr>
+        <p:style>
+          <a:lnRef idx="2">
+            <a:schemeClr val="accent1"/>
+          </a:lnRef>
+          <a:fillRef idx="0">
+            <a:schemeClr val="accent1"/>
+          </a:fillRef>
+          <a:effectRef idx="1">
+            <a:schemeClr val="accent1"/>
+          </a:effectRef>
+          <a:fontRef idx="minor">
+            <a:schemeClr val="tx1"/>
+          </a:fontRef>
+        </p:style>
+      </p:cxnSp>
+      <p:cxnSp>
+        <p:nvCxnSpPr>
+          <p:cNvPr id="86" name="Elbow Connector 85"/>
+          <p:cNvCxnSpPr>
+            <a:stCxn id="17" idx="3"/>
+            <a:endCxn id="20" idx="0"/>
+          </p:cNvCxnSpPr>
+          <p:nvPr/>
+        </p:nvCxnSpPr>
+        <p:spPr>
+          <a:xfrm flipH="1">
+            <a:off x="2081248" y="670017"/>
+            <a:ext cx="311789" cy="2481857"/>
+          </a:xfrm>
+          <a:prstGeom prst="bentConnector4">
+            <a:avLst>
+              <a:gd name="adj1" fmla="val -260689"/>
+              <a:gd name="adj2" fmla="val 88744"/>
+            </a:avLst>
+          </a:prstGeom>
+          <a:ln>
+            <a:solidFill>
+              <a:schemeClr val="tx1"/>
+            </a:solidFill>
+          </a:ln>
+        </p:spPr>
+        <p:style>
+          <a:lnRef idx="2">
+            <a:schemeClr val="accent1"/>
+          </a:lnRef>
+          <a:fillRef idx="0">
+            <a:schemeClr val="accent1"/>
+          </a:fillRef>
+          <a:effectRef idx="1">
+            <a:schemeClr val="accent1"/>
+          </a:effectRef>
+          <a:fontRef idx="minor">
+            <a:schemeClr val="tx1"/>
+          </a:fontRef>
+        </p:style>
+      </p:cxnSp>
+      <p:cxnSp>
+        <p:nvCxnSpPr>
+          <p:cNvPr id="105" name="Straight Arrow Connector 104"/>
+          <p:cNvCxnSpPr>
+            <a:stCxn id="35" idx="0"/>
+            <a:endCxn id="17" idx="2"/>
+          </p:cNvCxnSpPr>
+          <p:nvPr/>
+        </p:nvCxnSpPr>
+        <p:spPr>
+          <a:xfrm flipV="1">
+            <a:off x="2085551" y="815160"/>
+            <a:ext cx="8163" cy="501810"/>
+          </a:xfrm>
+          <a:prstGeom prst="straightConnector1">
+            <a:avLst/>
+          </a:prstGeom>
+          <a:ln>
+            <a:solidFill>
+              <a:schemeClr val="tx1"/>
+            </a:solidFill>
+            <a:tailEnd type="triangle"/>
+          </a:ln>
+        </p:spPr>
+        <p:style>
+          <a:lnRef idx="2">
+            <a:schemeClr val="accent1"/>
+          </a:lnRef>
+          <a:fillRef idx="0">
+            <a:schemeClr val="accent1"/>
+          </a:fillRef>
+          <a:effectRef idx="1">
+            <a:schemeClr val="accent1"/>
+          </a:effectRef>
+          <a:fontRef idx="minor">
+            <a:schemeClr val="tx1"/>
+          </a:fontRef>
+        </p:style>
+      </p:cxnSp>
     </p:spTree>
     <p:extLst>
       <p:ext uri="{BB962C8B-B14F-4D97-AF65-F5344CB8AC3E}">
@@ -19984,11 +20360,7 @@
           <a:p>
             <a:r>
               <a:rPr kumimoji="1" lang="en-US" altLang="ja-JP" sz="1000" dirty="0" smtClean="0"/>
-              <a:t>Post </a:t>
-            </a:r>
-            <a:r>
-              <a:rPr kumimoji="1" lang="en-US" altLang="ja-JP" sz="1000" dirty="0" smtClean="0"/>
-              <a:t>2</a:t>
+              <a:t>Post 2</a:t>
             </a:r>
             <a:endParaRPr kumimoji="1" lang="ja-JP" altLang="en-US" sz="1000" dirty="0"/>
           </a:p>
@@ -20113,11 +20485,7 @@
           <a:p>
             <a:r>
               <a:rPr kumimoji="1" lang="en-US" altLang="ja-JP" sz="1000" dirty="0" smtClean="0"/>
-              <a:t>Post </a:t>
-            </a:r>
-            <a:r>
-              <a:rPr kumimoji="1" lang="en-US" altLang="ja-JP" sz="1000" dirty="0" smtClean="0"/>
-              <a:t>3</a:t>
+              <a:t>Post 3</a:t>
             </a:r>
             <a:endParaRPr kumimoji="1" lang="ja-JP" altLang="en-US" sz="1000" dirty="0"/>
           </a:p>
@@ -20242,11 +20610,7 @@
           <a:p>
             <a:r>
               <a:rPr kumimoji="1" lang="en-US" altLang="ja-JP" sz="1000" dirty="0" smtClean="0"/>
-              <a:t>Post </a:t>
-            </a:r>
-            <a:r>
-              <a:rPr kumimoji="1" lang="en-US" altLang="ja-JP" sz="1000" dirty="0" smtClean="0"/>
-              <a:t>4</a:t>
+              <a:t>Post 4</a:t>
             </a:r>
             <a:endParaRPr kumimoji="1" lang="ja-JP" altLang="en-US" sz="1000" dirty="0"/>
           </a:p>
@@ -20391,11 +20755,7 @@
           <a:p>
             <a:r>
               <a:rPr kumimoji="1" lang="en-US" altLang="ja-JP" sz="1000" dirty="0" smtClean="0"/>
-              <a:t>Post </a:t>
-            </a:r>
-            <a:r>
-              <a:rPr kumimoji="1" lang="en-US" altLang="ja-JP" sz="1000" dirty="0" smtClean="0"/>
-              <a:t>5</a:t>
+              <a:t>Post 5</a:t>
             </a:r>
             <a:endParaRPr kumimoji="1" lang="ja-JP" altLang="en-US" sz="1000" dirty="0"/>
           </a:p>
@@ -21804,11 +22164,7 @@
           <a:p>
             <a:r>
               <a:rPr kumimoji="1" lang="en-US" altLang="ja-JP" dirty="0" smtClean="0"/>
-              <a:t>S-3-13 </a:t>
-            </a:r>
-            <a:r>
-              <a:rPr kumimoji="1" lang="en-US" altLang="ja-JP" dirty="0" smtClean="0"/>
-              <a:t>Logout</a:t>
+              <a:t>S-3-13 Logout</a:t>
             </a:r>
             <a:endParaRPr kumimoji="1" lang="ja-JP" altLang="en-US" dirty="0"/>
           </a:p>
@@ -21898,15 +22254,7 @@
             <a:pPr algn="r"/>
             <a:r>
               <a:rPr kumimoji="1" lang="en-US" altLang="ja-JP" sz="1000" dirty="0" smtClean="0"/>
-              <a:t>Hi </a:t>
-            </a:r>
-            <a:r>
-              <a:rPr kumimoji="1" lang="en-US" altLang="ja-JP" sz="1000" dirty="0" smtClean="0"/>
-              <a:t>Viet Nguyen</a:t>
-            </a:r>
-            <a:r>
-              <a:rPr kumimoji="1" lang="en-US" altLang="ja-JP" sz="1000" dirty="0" smtClean="0"/>
-              <a:t>!</a:t>
+              <a:t>Hi Viet Nguyen!</a:t>
             </a:r>
             <a:endParaRPr kumimoji="1" lang="ja-JP" altLang="en-US" sz="1000" dirty="0">
               <a:solidFill>
@@ -22363,17 +22711,7 @@
                   </a:schemeClr>
                 </a:solidFill>
               </a:rPr>
-              <a:t>by </a:t>
-            </a:r>
-            <a:r>
-              <a:rPr kumimoji="1" lang="en-US" altLang="ja-JP" sz="800" i="1" dirty="0" smtClean="0">
-                <a:solidFill>
-                  <a:schemeClr val="bg1">
-                    <a:lumMod val="65000"/>
-                  </a:schemeClr>
-                </a:solidFill>
-              </a:rPr>
-              <a:t>Viet Nguyen</a:t>
+              <a:t>by Viet Nguyen</a:t>
             </a:r>
             <a:endParaRPr kumimoji="1" lang="ja-JP" altLang="en-US" sz="800" i="1" dirty="0">
               <a:solidFill>
@@ -22606,11 +22944,7 @@
           <a:p>
             <a:r>
               <a:rPr kumimoji="1" lang="en-US" altLang="ja-JP" sz="1000" dirty="0" smtClean="0"/>
-              <a:t>Post </a:t>
-            </a:r>
-            <a:r>
-              <a:rPr kumimoji="1" lang="en-US" altLang="ja-JP" sz="1000" dirty="0" smtClean="0"/>
-              <a:t>2</a:t>
+              <a:t>Post 2</a:t>
             </a:r>
             <a:endParaRPr kumimoji="1" lang="ja-JP" altLang="en-US" sz="1000" dirty="0"/>
           </a:p>
@@ -22755,11 +23089,7 @@
           <a:p>
             <a:r>
               <a:rPr kumimoji="1" lang="en-US" altLang="ja-JP" sz="1000" dirty="0" smtClean="0"/>
-              <a:t>Post </a:t>
-            </a:r>
-            <a:r>
-              <a:rPr kumimoji="1" lang="en-US" altLang="ja-JP" sz="1000" dirty="0" smtClean="0"/>
-              <a:t>3</a:t>
+              <a:t>Post 3</a:t>
             </a:r>
             <a:endParaRPr kumimoji="1" lang="ja-JP" altLang="en-US" sz="1000" dirty="0"/>
           </a:p>
@@ -22904,11 +23234,7 @@
           <a:p>
             <a:r>
               <a:rPr kumimoji="1" lang="en-US" altLang="ja-JP" sz="1000" dirty="0" smtClean="0"/>
-              <a:t>Post </a:t>
-            </a:r>
-            <a:r>
-              <a:rPr kumimoji="1" lang="en-US" altLang="ja-JP" sz="1000" dirty="0" smtClean="0"/>
-              <a:t>4</a:t>
+              <a:t>Post 4</a:t>
             </a:r>
             <a:endParaRPr kumimoji="1" lang="ja-JP" altLang="en-US" sz="1000" dirty="0"/>
           </a:p>
@@ -22964,17 +23290,7 @@
                   </a:schemeClr>
                 </a:solidFill>
               </a:rPr>
-              <a:t>40 </a:t>
-            </a:r>
-            <a:r>
-              <a:rPr kumimoji="1" lang="en-US" altLang="ja-JP" sz="800" i="1" dirty="0">
-                <a:solidFill>
-                  <a:schemeClr val="bg1">
-                    <a:lumMod val="65000"/>
-                  </a:schemeClr>
-                </a:solidFill>
-              </a:rPr>
-              <a:t>by </a:t>
+              <a:t>40 by </a:t>
             </a:r>
             <a:r>
               <a:rPr kumimoji="1" lang="en-US" altLang="ja-JP" sz="800" i="1" dirty="0" smtClean="0">
@@ -23063,11 +23379,7 @@
           <a:p>
             <a:r>
               <a:rPr kumimoji="1" lang="en-US" altLang="ja-JP" sz="1000" dirty="0" smtClean="0"/>
-              <a:t>Post </a:t>
-            </a:r>
-            <a:r>
-              <a:rPr kumimoji="1" lang="en-US" altLang="ja-JP" sz="1000" dirty="0" smtClean="0"/>
-              <a:t>5</a:t>
+              <a:t>Post 5</a:t>
             </a:r>
             <a:endParaRPr kumimoji="1" lang="ja-JP" altLang="en-US" sz="1000" dirty="0"/>
           </a:p>
@@ -23123,17 +23435,7 @@
                   </a:schemeClr>
                 </a:solidFill>
               </a:rPr>
-              <a:t>40 </a:t>
-            </a:r>
-            <a:r>
-              <a:rPr kumimoji="1" lang="en-US" altLang="ja-JP" sz="800" i="1" dirty="0">
-                <a:solidFill>
-                  <a:schemeClr val="bg1">
-                    <a:lumMod val="65000"/>
-                  </a:schemeClr>
-                </a:solidFill>
-              </a:rPr>
-              <a:t>by </a:t>
+              <a:t>40 by </a:t>
             </a:r>
             <a:r>
               <a:rPr kumimoji="1" lang="en-US" altLang="ja-JP" sz="800" i="1" dirty="0" smtClean="0">
@@ -23781,11 +24083,7 @@
             <a:pPr algn="r"/>
             <a:r>
               <a:rPr kumimoji="1" lang="en-US" altLang="ja-JP" sz="1000" dirty="0" smtClean="0"/>
-              <a:t>Hi </a:t>
-            </a:r>
-            <a:r>
-              <a:rPr kumimoji="1" lang="en-US" altLang="ja-JP" sz="1000" dirty="0" smtClean="0"/>
-              <a:t>Viet Nguyen!</a:t>
+              <a:t>Hi Viet Nguyen!</a:t>
             </a:r>
             <a:endParaRPr kumimoji="1" lang="ja-JP" altLang="en-US" sz="1000" dirty="0">
               <a:solidFill>
@@ -24048,11 +24346,7 @@
                     <a:p>
                       <a:r>
                         <a:rPr kumimoji="1" lang="en-US" altLang="ja-JP" sz="1000" dirty="0" smtClean="0"/>
-                        <a:t>Click </a:t>
-                      </a:r>
-                      <a:r>
-                        <a:rPr kumimoji="1" lang="en-US" altLang="ja-JP" sz="1000" dirty="0" smtClean="0"/>
-                        <a:t>=&gt; Dropdown menu: Profile, Logout</a:t>
+                        <a:t>Click =&gt; Dropdown menu: Profile, Logout</a:t>
                       </a:r>
                       <a:endParaRPr kumimoji="1" lang="ja-JP" altLang="en-US" sz="1000" dirty="0"/>
                     </a:p>
@@ -24621,11 +24915,7 @@
                       </a:r>
                       <a:r>
                         <a:rPr kumimoji="1" lang="en-US" altLang="ja-JP" sz="1000" baseline="0" dirty="0" smtClean="0"/>
-                        <a:t> newest </a:t>
-                      </a:r>
-                      <a:r>
-                        <a:rPr kumimoji="1" lang="en-US" altLang="ja-JP" sz="1000" baseline="0" dirty="0" smtClean="0"/>
-                        <a:t>post </a:t>
+                        <a:t> newest post </a:t>
                       </a:r>
                       <a:r>
                         <a:rPr kumimoji="1" lang="en-US" altLang="ja-JP" sz="1000" dirty="0" smtClean="0"/>
@@ -24710,11 +25000,7 @@
                     <a:p>
                       <a:r>
                         <a:rPr kumimoji="1" lang="en-US" altLang="ja-JP" sz="1000" dirty="0" smtClean="0"/>
-                        <a:t>All </a:t>
-                      </a:r>
-                      <a:r>
-                        <a:rPr kumimoji="1" lang="en-US" altLang="ja-JP" sz="1000" dirty="0" smtClean="0"/>
-                        <a:t>post</a:t>
+                        <a:t>All post</a:t>
                       </a:r>
                       <a:endParaRPr kumimoji="1" lang="ja-JP" altLang="en-US" sz="1000" dirty="0"/>
                     </a:p>
@@ -25483,11 +25769,7 @@
           <a:p>
             <a:r>
               <a:rPr kumimoji="1" lang="en-US" altLang="ja-JP" sz="1000" dirty="0" smtClean="0"/>
-              <a:t>Post </a:t>
-            </a:r>
-            <a:r>
-              <a:rPr kumimoji="1" lang="en-US" altLang="ja-JP" sz="1000" dirty="0" smtClean="0"/>
-              <a:t>2</a:t>
+              <a:t>Post 2</a:t>
             </a:r>
             <a:endParaRPr kumimoji="1" lang="ja-JP" altLang="en-US" sz="1000" dirty="0"/>
           </a:p>
@@ -25612,11 +25894,7 @@
           <a:p>
             <a:r>
               <a:rPr kumimoji="1" lang="en-US" altLang="ja-JP" sz="1000" dirty="0" smtClean="0"/>
-              <a:t>Post </a:t>
-            </a:r>
-            <a:r>
-              <a:rPr kumimoji="1" lang="en-US" altLang="ja-JP" sz="1000" dirty="0" smtClean="0"/>
-              <a:t>3</a:t>
+              <a:t>Post 3</a:t>
             </a:r>
             <a:endParaRPr kumimoji="1" lang="ja-JP" altLang="en-US" sz="1000" dirty="0"/>
           </a:p>
@@ -25741,11 +26019,7 @@
           <a:p>
             <a:r>
               <a:rPr kumimoji="1" lang="en-US" altLang="ja-JP" sz="1000" dirty="0" smtClean="0"/>
-              <a:t>Post </a:t>
-            </a:r>
-            <a:r>
-              <a:rPr kumimoji="1" lang="en-US" altLang="ja-JP" sz="1000" dirty="0" smtClean="0"/>
-              <a:t>4</a:t>
+              <a:t>Post 4</a:t>
             </a:r>
             <a:endParaRPr kumimoji="1" lang="ja-JP" altLang="en-US" sz="1000" dirty="0"/>
           </a:p>
@@ -25890,11 +26164,7 @@
           <a:p>
             <a:r>
               <a:rPr kumimoji="1" lang="en-US" altLang="ja-JP" sz="1000" dirty="0" smtClean="0"/>
-              <a:t>Post </a:t>
-            </a:r>
-            <a:r>
-              <a:rPr kumimoji="1" lang="en-US" altLang="ja-JP" sz="1000" dirty="0" smtClean="0"/>
-              <a:t>5</a:t>
+              <a:t>Post 5</a:t>
             </a:r>
             <a:endParaRPr kumimoji="1" lang="ja-JP" altLang="en-US" sz="1000" dirty="0"/>
           </a:p>
@@ -26202,18 +26472,7 @@
                   </a:schemeClr>
                 </a:solidFill>
               </a:rPr>
-              <a:t>New </a:t>
-            </a:r>
-            <a:r>
-              <a:rPr kumimoji="1" lang="en-US" altLang="ja-JP" sz="1050" dirty="0" smtClean="0">
-                <a:solidFill>
-                  <a:schemeClr val="tx2">
-                    <a:lumMod val="20000"/>
-                    <a:lumOff val="80000"/>
-                  </a:schemeClr>
-                </a:solidFill>
-              </a:rPr>
-              <a:t>Post</a:t>
+              <a:t>New Post</a:t>
             </a:r>
             <a:endParaRPr kumimoji="1" lang="ja-JP" altLang="en-US" sz="1050" dirty="0">
               <a:solidFill>
@@ -26445,11 +26704,7 @@
           <a:p>
             <a:r>
               <a:rPr kumimoji="1" lang="en-US" altLang="ja-JP" dirty="0" smtClean="0"/>
-              <a:t>S-3-3 </a:t>
-            </a:r>
-            <a:r>
-              <a:rPr kumimoji="1" lang="en-US" altLang="ja-JP" dirty="0" smtClean="0"/>
-              <a:t>Post detail</a:t>
+              <a:t>S-3-3 Post detail</a:t>
             </a:r>
             <a:endParaRPr kumimoji="1" lang="ja-JP" altLang="en-US" dirty="0"/>
           </a:p>
@@ -28956,17 +29211,7 @@
                   </a:schemeClr>
                 </a:solidFill>
               </a:rPr>
-              <a:t>by </a:t>
-            </a:r>
-            <a:r>
-              <a:rPr kumimoji="1" lang="en-US" altLang="ja-JP" sz="800" i="1" dirty="0" smtClean="0">
-                <a:solidFill>
-                  <a:schemeClr val="bg1">
-                    <a:lumMod val="65000"/>
-                  </a:schemeClr>
-                </a:solidFill>
-              </a:rPr>
-              <a:t>Viet Nguyen</a:t>
+              <a:t>by Viet Nguyen</a:t>
             </a:r>
             <a:endParaRPr kumimoji="1" lang="ja-JP" altLang="en-US" sz="800" i="1" dirty="0">
               <a:solidFill>
@@ -29131,11 +29376,7 @@
           <a:p>
             <a:r>
               <a:rPr kumimoji="1" lang="en-US" altLang="ja-JP" dirty="0" smtClean="0"/>
-              <a:t>S-3-9 </a:t>
-            </a:r>
-            <a:r>
-              <a:rPr kumimoji="1" lang="en-US" altLang="ja-JP" dirty="0" smtClean="0"/>
-              <a:t>New post</a:t>
+              <a:t>S-3-9 New post</a:t>
             </a:r>
             <a:endParaRPr kumimoji="1" lang="ja-JP" altLang="en-US" dirty="0"/>
           </a:p>
@@ -29225,11 +29466,7 @@
             <a:pPr algn="r"/>
             <a:r>
               <a:rPr kumimoji="1" lang="en-US" altLang="ja-JP" sz="1000" dirty="0" smtClean="0"/>
-              <a:t>Hi </a:t>
-            </a:r>
-            <a:r>
-              <a:rPr kumimoji="1" lang="en-US" altLang="ja-JP" sz="1000" dirty="0" smtClean="0"/>
-              <a:t>Viet Nguyen!</a:t>
+              <a:t>Hi Viet Nguyen!</a:t>
             </a:r>
             <a:endParaRPr kumimoji="1" lang="ja-JP" altLang="en-US" sz="1000" dirty="0">
               <a:solidFill>
@@ -29308,29 +29545,7 @@
                   </a:schemeClr>
                 </a:solidFill>
               </a:rPr>
-              <a:t>Create a new </a:t>
-            </a:r>
-            <a:r>
-              <a:rPr kumimoji="1" lang="en-US" altLang="ja-JP" sz="1050" dirty="0" smtClean="0">
-                <a:solidFill>
-                  <a:schemeClr val="tx2">
-                    <a:lumMod val="20000"/>
-                    <a:lumOff val="80000"/>
-                  </a:schemeClr>
-                </a:solidFill>
-              </a:rPr>
-              <a:t> </a:t>
-            </a:r>
-            <a:r>
-              <a:rPr kumimoji="1" lang="en-US" altLang="ja-JP" sz="1050" dirty="0" smtClean="0">
-                <a:solidFill>
-                  <a:schemeClr val="tx2">
-                    <a:lumMod val="20000"/>
-                    <a:lumOff val="80000"/>
-                  </a:schemeClr>
-                </a:solidFill>
-              </a:rPr>
-              <a:t>post</a:t>
+              <a:t>Create a new  post</a:t>
             </a:r>
             <a:endParaRPr kumimoji="1" lang="ja-JP" altLang="en-US" sz="1050" dirty="0">
               <a:solidFill>
@@ -29835,11 +30050,7 @@
                       </a:r>
                       <a:r>
                         <a:rPr kumimoji="1" lang="en-US" altLang="ja-JP" sz="1000" dirty="0" smtClean="0"/>
-                        <a:t> </a:t>
-                      </a:r>
-                      <a:r>
-                        <a:rPr kumimoji="1" lang="en-US" altLang="ja-JP" sz="1000" dirty="0" smtClean="0"/>
-                        <a:t>post</a:t>
+                        <a:t> post</a:t>
                       </a:r>
                       <a:endParaRPr kumimoji="1" lang="ja-JP" altLang="en-US" sz="1000" dirty="0"/>
                     </a:p>
@@ -31414,15 +31625,7 @@
             <a:pPr algn="r"/>
             <a:r>
               <a:rPr kumimoji="1" lang="en-US" altLang="ja-JP" sz="1000" dirty="0" smtClean="0"/>
-              <a:t>Hi </a:t>
-            </a:r>
-            <a:r>
-              <a:rPr kumimoji="1" lang="en-US" altLang="ja-JP" sz="1000" dirty="0" smtClean="0"/>
-              <a:t>Viet Nguyen</a:t>
-            </a:r>
-            <a:r>
-              <a:rPr kumimoji="1" lang="en-US" altLang="ja-JP" sz="1000" dirty="0" smtClean="0"/>
-              <a:t>!</a:t>
+              <a:t>Hi Viet Nguyen!</a:t>
             </a:r>
             <a:endParaRPr kumimoji="1" lang="ja-JP" altLang="en-US" sz="1000" dirty="0">
               <a:solidFill>
@@ -32541,15 +32744,7 @@
                   <a:schemeClr val="tx1"/>
                 </a:solidFill>
               </a:rPr>
-              <a:t>Post </a:t>
-            </a:r>
-            <a:r>
-              <a:rPr kumimoji="1" lang="en-US" altLang="ja-JP" sz="800" i="1" dirty="0" smtClean="0">
-                <a:solidFill>
-                  <a:schemeClr val="tx1"/>
-                </a:solidFill>
-              </a:rPr>
-              <a:t>1</a:t>
+              <a:t>Post 1</a:t>
             </a:r>
             <a:endParaRPr kumimoji="1" lang="ja-JP" altLang="en-US" sz="800" i="1" dirty="0">
               <a:solidFill>

--- a/doc/frontend/wireframe/TRN-MiniBlog_WireframeDesign_Nguyen.Viet.pptx
+++ b/doc/frontend/wireframe/TRN-MiniBlog_WireframeDesign_Nguyen.Viet.pptx
@@ -242,7 +242,7 @@
           </a:lstStyle>
           <a:p>
             <a:fld id="{0B14D75D-3A88-044C-B530-B9A2A8B351DB}" type="datetimeFigureOut">
-              <a:t>2/2/2015</a:t>
+              <a:t>2/3/2015</a:t>
             </a:fld>
             <a:endParaRPr kumimoji="1" lang="ja-JP" altLang="en-US"/>
           </a:p>
@@ -699,7 +699,7 @@
                 <a:ea typeface="ＭＳ Ｐゴシック"/>
               </a:rPr>
               <a:pPr/>
-              <a:t>2015/2/2</a:t>
+              <a:t>2015/2/3</a:t>
             </a:fld>
             <a:endParaRPr lang="ja-JP" altLang="en-US">
               <a:solidFill>
@@ -943,7 +943,7 @@
                 <a:ea typeface="ＭＳ Ｐゴシック"/>
               </a:rPr>
               <a:pPr/>
-              <a:t>2015/2/2</a:t>
+              <a:t>2015/2/3</a:t>
             </a:fld>
             <a:endParaRPr lang="ja-JP" altLang="en-US">
               <a:solidFill>
@@ -1197,7 +1197,7 @@
                 <a:ea typeface="ＭＳ Ｐゴシック"/>
               </a:rPr>
               <a:pPr/>
-              <a:t>2015/2/2</a:t>
+              <a:t>2015/2/3</a:t>
             </a:fld>
             <a:endParaRPr lang="ja-JP" altLang="en-US">
               <a:solidFill>
@@ -1334,7 +1334,7 @@
                 <a:ea typeface="ＭＳ Ｐゴシック"/>
               </a:rPr>
               <a:pPr/>
-              <a:t>2015/2/2</a:t>
+              <a:t>2015/2/3</a:t>
             </a:fld>
             <a:endParaRPr lang="ja-JP" altLang="en-US">
               <a:solidFill>
@@ -1443,12 +1443,12 @@
           <a:effectLst/>
           <a:extLst>
             <a:ext uri="{909E8E84-426E-40dd-AFC4-6F175D3DCCD1}">
-              <a14:hiddenFill xmlns="" xmlns:a14="http://schemas.microsoft.com/office/drawing/2010/main">
+              <a14:hiddenFill xmlns:a14="http://schemas.microsoft.com/office/drawing/2010/main" xmlns="">
                 <a:noFill/>
               </a14:hiddenFill>
             </a:ext>
             <a:ext uri="{AF507438-7753-43e0-B8FC-AC1667EBCBE1}">
-              <a14:hiddenEffects xmlns="" xmlns:a14="http://schemas.microsoft.com/office/drawing/2010/main">
+              <a14:hiddenEffects xmlns:a14="http://schemas.microsoft.com/office/drawing/2010/main" xmlns="">
                 <a:effectLst>
                   <a:outerShdw blurRad="63500" dist="38099" dir="2700000" algn="ctr" rotWithShape="0">
                     <a:schemeClr val="bg2">
@@ -1502,12 +1502,12 @@
           <a:effectLst/>
           <a:extLst>
             <a:ext uri="{909E8E84-426E-40dd-AFC4-6F175D3DCCD1}">
-              <a14:hiddenFill xmlns="" xmlns:a14="http://schemas.microsoft.com/office/drawing/2010/main">
+              <a14:hiddenFill xmlns:a14="http://schemas.microsoft.com/office/drawing/2010/main" xmlns="">
                 <a:noFill/>
               </a14:hiddenFill>
             </a:ext>
             <a:ext uri="{AF507438-7753-43e0-B8FC-AC1667EBCBE1}">
-              <a14:hiddenEffects xmlns="" xmlns:a14="http://schemas.microsoft.com/office/drawing/2010/main">
+              <a14:hiddenEffects xmlns:a14="http://schemas.microsoft.com/office/drawing/2010/main" xmlns="">
                 <a:effectLst>
                   <a:outerShdw blurRad="63500" dist="38099" dir="2700000" algn="ctr" rotWithShape="0">
                     <a:schemeClr val="bg2">
@@ -1565,7 +1565,7 @@
           <a:effectLst/>
           <a:extLst>
             <a:ext uri="{AF507438-7753-43e0-B8FC-AC1667EBCBE1}">
-              <a14:hiddenEffects xmlns="" xmlns:a14="http://schemas.microsoft.com/office/drawing/2010/main">
+              <a14:hiddenEffects xmlns:a14="http://schemas.microsoft.com/office/drawing/2010/main" xmlns="">
                 <a:effectLst>
                   <a:outerShdw blurRad="63500" dist="38099" dir="2700000" algn="ctr" rotWithShape="0">
                     <a:schemeClr val="bg2">
@@ -1621,7 +1621,7 @@
           <a:effectLst/>
           <a:extLst>
             <a:ext uri="{AF507438-7753-43e0-B8FC-AC1667EBCBE1}">
-              <a14:hiddenEffects xmlns="" xmlns:a14="http://schemas.microsoft.com/office/drawing/2010/main">
+              <a14:hiddenEffects xmlns:a14="http://schemas.microsoft.com/office/drawing/2010/main" xmlns="">
                 <a:effectLst>
                   <a:outerShdw blurRad="63500" dist="38099" dir="2700000" algn="ctr" rotWithShape="0">
                     <a:schemeClr val="bg2">
@@ -1674,14 +1674,14 @@
           <a:effectLst/>
           <a:extLst>
             <a:ext uri="{909E8E84-426E-40dd-AFC4-6F175D3DCCD1}">
-              <a14:hiddenFill xmlns="" xmlns:a14="http://schemas.microsoft.com/office/drawing/2010/main">
+              <a14:hiddenFill xmlns:a14="http://schemas.microsoft.com/office/drawing/2010/main" xmlns="">
                 <a:solidFill>
                   <a:schemeClr val="accent1"/>
                 </a:solidFill>
               </a14:hiddenFill>
             </a:ext>
             <a:ext uri="{91240B29-F687-4f45-9708-019B960494DF}">
-              <a14:hiddenLine xmlns="" xmlns:a14="http://schemas.microsoft.com/office/drawing/2010/main" w="9525">
+              <a14:hiddenLine xmlns:a14="http://schemas.microsoft.com/office/drawing/2010/main" xmlns="" w="9525">
                 <a:solidFill>
                   <a:schemeClr val="tx1"/>
                 </a:solidFill>
@@ -1691,7 +1691,7 @@
               </a14:hiddenLine>
             </a:ext>
             <a:ext uri="{AF507438-7753-43e0-B8FC-AC1667EBCBE1}">
-              <a14:hiddenEffects xmlns="" xmlns:a14="http://schemas.microsoft.com/office/drawing/2010/main">
+              <a14:hiddenEffects xmlns:a14="http://schemas.microsoft.com/office/drawing/2010/main" xmlns="">
                 <a:effectLst>
                   <a:outerShdw blurRad="63500" dist="38099" dir="2700000" algn="ctr" rotWithShape="0">
                     <a:schemeClr val="bg2">
@@ -1702,7 +1702,7 @@
               </a14:hiddenEffects>
             </a:ext>
             <a:ext uri="{FAA26D3D-D897-4be2-8F04-BA451C77F1D7}">
-              <ma14:placeholderFlag xmlns="" xmlns:ma14="http://schemas.microsoft.com/office/mac/drawingml/2011/main" val="1"/>
+              <ma14:placeholderFlag xmlns:ma14="http://schemas.microsoft.com/office/mac/drawingml/2011/main" xmlns="" val="1"/>
             </a:ext>
           </a:extLst>
         </p:spPr>
@@ -1854,7 +1854,7 @@
           <a:noFill/>
           <a:extLst>
             <a:ext uri="{909E8E84-426E-40dd-AFC4-6F175D3DCCD1}">
-              <a14:hiddenFill xmlns="" xmlns:a14="http://schemas.microsoft.com/office/drawing/2010/main">
+              <a14:hiddenFill xmlns:a14="http://schemas.microsoft.com/office/drawing/2010/main" xmlns="">
                 <a:solidFill>
                   <a:srgbClr val="FFFFFF"/>
                 </a:solidFill>
@@ -1886,14 +1886,14 @@
           <a:effectLst/>
           <a:extLst>
             <a:ext uri="{909E8E84-426E-40dd-AFC4-6F175D3DCCD1}">
-              <a14:hiddenFill xmlns="" xmlns:a14="http://schemas.microsoft.com/office/drawing/2010/main">
+              <a14:hiddenFill xmlns:a14="http://schemas.microsoft.com/office/drawing/2010/main" xmlns="">
                 <a:solidFill>
                   <a:schemeClr val="accent1"/>
                 </a:solidFill>
               </a14:hiddenFill>
             </a:ext>
             <a:ext uri="{91240B29-F687-4f45-9708-019B960494DF}">
-              <a14:hiddenLine xmlns="" xmlns:a14="http://schemas.microsoft.com/office/drawing/2010/main" w="9525">
+              <a14:hiddenLine xmlns:a14="http://schemas.microsoft.com/office/drawing/2010/main" xmlns="" w="9525">
                 <a:solidFill>
                   <a:schemeClr val="tx1"/>
                 </a:solidFill>
@@ -1903,7 +1903,7 @@
               </a14:hiddenLine>
             </a:ext>
             <a:ext uri="{AF507438-7753-43e0-B8FC-AC1667EBCBE1}">
-              <a14:hiddenEffects xmlns="" xmlns:a14="http://schemas.microsoft.com/office/drawing/2010/main">
+              <a14:hiddenEffects xmlns:a14="http://schemas.microsoft.com/office/drawing/2010/main" xmlns="">
                 <a:effectLst>
                   <a:outerShdw blurRad="63500" dist="38099" dir="2700000" algn="ctr" rotWithShape="0">
                     <a:schemeClr val="bg2">
@@ -2005,7 +2005,7 @@
                 <a:ea typeface="ＭＳ Ｐゴシック"/>
               </a:rPr>
               <a:pPr/>
-              <a:t>2015/2/2</a:t>
+              <a:t>2015/2/3</a:t>
             </a:fld>
             <a:endParaRPr lang="ja-JP" altLang="en-US">
               <a:solidFill>
@@ -2114,12 +2114,12 @@
           <a:effectLst/>
           <a:extLst>
             <a:ext uri="{909E8E84-426E-40dd-AFC4-6F175D3DCCD1}">
-              <a14:hiddenFill xmlns="" xmlns:a14="http://schemas.microsoft.com/office/drawing/2010/main">
+              <a14:hiddenFill xmlns:a14="http://schemas.microsoft.com/office/drawing/2010/main" xmlns="">
                 <a:noFill/>
               </a14:hiddenFill>
             </a:ext>
             <a:ext uri="{AF507438-7753-43e0-B8FC-AC1667EBCBE1}">
-              <a14:hiddenEffects xmlns="" xmlns:a14="http://schemas.microsoft.com/office/drawing/2010/main">
+              <a14:hiddenEffects xmlns:a14="http://schemas.microsoft.com/office/drawing/2010/main" xmlns="">
                 <a:effectLst>
                   <a:outerShdw blurRad="63500" dist="38099" dir="2700000" algn="ctr" rotWithShape="0">
                     <a:schemeClr val="bg2">
@@ -2173,12 +2173,12 @@
           <a:effectLst/>
           <a:extLst>
             <a:ext uri="{909E8E84-426E-40dd-AFC4-6F175D3DCCD1}">
-              <a14:hiddenFill xmlns="" xmlns:a14="http://schemas.microsoft.com/office/drawing/2010/main">
+              <a14:hiddenFill xmlns:a14="http://schemas.microsoft.com/office/drawing/2010/main" xmlns="">
                 <a:noFill/>
               </a14:hiddenFill>
             </a:ext>
             <a:ext uri="{AF507438-7753-43e0-B8FC-AC1667EBCBE1}">
-              <a14:hiddenEffects xmlns="" xmlns:a14="http://schemas.microsoft.com/office/drawing/2010/main">
+              <a14:hiddenEffects xmlns:a14="http://schemas.microsoft.com/office/drawing/2010/main" xmlns="">
                 <a:effectLst>
                   <a:outerShdw blurRad="63500" dist="38099" dir="2700000" algn="ctr" rotWithShape="0">
                     <a:schemeClr val="bg2">
@@ -2236,7 +2236,7 @@
           <a:effectLst/>
           <a:extLst>
             <a:ext uri="{AF507438-7753-43e0-B8FC-AC1667EBCBE1}">
-              <a14:hiddenEffects xmlns="" xmlns:a14="http://schemas.microsoft.com/office/drawing/2010/main">
+              <a14:hiddenEffects xmlns:a14="http://schemas.microsoft.com/office/drawing/2010/main" xmlns="">
                 <a:effectLst>
                   <a:outerShdw blurRad="63500" dist="38099" dir="2700000" algn="ctr" rotWithShape="0">
                     <a:schemeClr val="bg2">
@@ -2292,7 +2292,7 @@
           <a:effectLst/>
           <a:extLst>
             <a:ext uri="{AF507438-7753-43e0-B8FC-AC1667EBCBE1}">
-              <a14:hiddenEffects xmlns="" xmlns:a14="http://schemas.microsoft.com/office/drawing/2010/main">
+              <a14:hiddenEffects xmlns:a14="http://schemas.microsoft.com/office/drawing/2010/main" xmlns="">
                 <a:effectLst>
                   <a:outerShdw blurRad="63500" dist="38099" dir="2700000" algn="ctr" rotWithShape="0">
                     <a:schemeClr val="bg2">
@@ -2345,14 +2345,14 @@
           <a:effectLst/>
           <a:extLst>
             <a:ext uri="{909E8E84-426E-40dd-AFC4-6F175D3DCCD1}">
-              <a14:hiddenFill xmlns="" xmlns:a14="http://schemas.microsoft.com/office/drawing/2010/main">
+              <a14:hiddenFill xmlns:a14="http://schemas.microsoft.com/office/drawing/2010/main" xmlns="">
                 <a:solidFill>
                   <a:schemeClr val="accent1"/>
                 </a:solidFill>
               </a14:hiddenFill>
             </a:ext>
             <a:ext uri="{91240B29-F687-4f45-9708-019B960494DF}">
-              <a14:hiddenLine xmlns="" xmlns:a14="http://schemas.microsoft.com/office/drawing/2010/main" w="9525">
+              <a14:hiddenLine xmlns:a14="http://schemas.microsoft.com/office/drawing/2010/main" xmlns="" w="9525">
                 <a:solidFill>
                   <a:schemeClr val="tx1"/>
                 </a:solidFill>
@@ -2362,7 +2362,7 @@
               </a14:hiddenLine>
             </a:ext>
             <a:ext uri="{AF507438-7753-43e0-B8FC-AC1667EBCBE1}">
-              <a14:hiddenEffects xmlns="" xmlns:a14="http://schemas.microsoft.com/office/drawing/2010/main">
+              <a14:hiddenEffects xmlns:a14="http://schemas.microsoft.com/office/drawing/2010/main" xmlns="">
                 <a:effectLst>
                   <a:outerShdw blurRad="63500" dist="38099" dir="2700000" algn="ctr" rotWithShape="0">
                     <a:schemeClr val="bg2">
@@ -2373,7 +2373,7 @@
               </a14:hiddenEffects>
             </a:ext>
             <a:ext uri="{FAA26D3D-D897-4be2-8F04-BA451C77F1D7}">
-              <ma14:placeholderFlag xmlns="" xmlns:ma14="http://schemas.microsoft.com/office/mac/drawingml/2011/main" val="1"/>
+              <ma14:placeholderFlag xmlns:ma14="http://schemas.microsoft.com/office/mac/drawingml/2011/main" xmlns="" val="1"/>
             </a:ext>
           </a:extLst>
         </p:spPr>
@@ -2525,7 +2525,7 @@
           <a:noFill/>
           <a:extLst>
             <a:ext uri="{909E8E84-426E-40dd-AFC4-6F175D3DCCD1}">
-              <a14:hiddenFill xmlns="" xmlns:a14="http://schemas.microsoft.com/office/drawing/2010/main">
+              <a14:hiddenFill xmlns:a14="http://schemas.microsoft.com/office/drawing/2010/main" xmlns="">
                 <a:solidFill>
                   <a:srgbClr val="FFFFFF"/>
                 </a:solidFill>
@@ -2557,14 +2557,14 @@
           <a:effectLst/>
           <a:extLst>
             <a:ext uri="{909E8E84-426E-40dd-AFC4-6F175D3DCCD1}">
-              <a14:hiddenFill xmlns="" xmlns:a14="http://schemas.microsoft.com/office/drawing/2010/main">
+              <a14:hiddenFill xmlns:a14="http://schemas.microsoft.com/office/drawing/2010/main" xmlns="">
                 <a:solidFill>
                   <a:schemeClr val="accent1"/>
                 </a:solidFill>
               </a14:hiddenFill>
             </a:ext>
             <a:ext uri="{91240B29-F687-4f45-9708-019B960494DF}">
-              <a14:hiddenLine xmlns="" xmlns:a14="http://schemas.microsoft.com/office/drawing/2010/main" w="9525">
+              <a14:hiddenLine xmlns:a14="http://schemas.microsoft.com/office/drawing/2010/main" xmlns="" w="9525">
                 <a:solidFill>
                   <a:schemeClr val="tx1"/>
                 </a:solidFill>
@@ -2574,7 +2574,7 @@
               </a14:hiddenLine>
             </a:ext>
             <a:ext uri="{AF507438-7753-43e0-B8FC-AC1667EBCBE1}">
-              <a14:hiddenEffects xmlns="" xmlns:a14="http://schemas.microsoft.com/office/drawing/2010/main">
+              <a14:hiddenEffects xmlns:a14="http://schemas.microsoft.com/office/drawing/2010/main" xmlns="">
                 <a:effectLst>
                   <a:outerShdw blurRad="63500" dist="38099" dir="2700000" algn="ctr" rotWithShape="0">
                     <a:schemeClr val="bg2">
@@ -2676,7 +2676,7 @@
                 <a:ea typeface="ＭＳ Ｐゴシック"/>
               </a:rPr>
               <a:pPr/>
-              <a:t>2015/2/2</a:t>
+              <a:t>2015/2/3</a:t>
             </a:fld>
             <a:endParaRPr lang="ja-JP" altLang="en-US">
               <a:solidFill>
@@ -2785,12 +2785,12 @@
           <a:effectLst/>
           <a:extLst>
             <a:ext uri="{909E8E84-426E-40dd-AFC4-6F175D3DCCD1}">
-              <a14:hiddenFill xmlns="" xmlns:a14="http://schemas.microsoft.com/office/drawing/2010/main">
+              <a14:hiddenFill xmlns:a14="http://schemas.microsoft.com/office/drawing/2010/main" xmlns="">
                 <a:noFill/>
               </a14:hiddenFill>
             </a:ext>
             <a:ext uri="{AF507438-7753-43e0-B8FC-AC1667EBCBE1}">
-              <a14:hiddenEffects xmlns="" xmlns:a14="http://schemas.microsoft.com/office/drawing/2010/main">
+              <a14:hiddenEffects xmlns:a14="http://schemas.microsoft.com/office/drawing/2010/main" xmlns="">
                 <a:effectLst>
                   <a:outerShdw blurRad="63500" dist="38099" dir="2700000" algn="ctr" rotWithShape="0">
                     <a:schemeClr val="bg2">
@@ -2844,12 +2844,12 @@
           <a:effectLst/>
           <a:extLst>
             <a:ext uri="{909E8E84-426E-40dd-AFC4-6F175D3DCCD1}">
-              <a14:hiddenFill xmlns="" xmlns:a14="http://schemas.microsoft.com/office/drawing/2010/main">
+              <a14:hiddenFill xmlns:a14="http://schemas.microsoft.com/office/drawing/2010/main" xmlns="">
                 <a:noFill/>
               </a14:hiddenFill>
             </a:ext>
             <a:ext uri="{AF507438-7753-43e0-B8FC-AC1667EBCBE1}">
-              <a14:hiddenEffects xmlns="" xmlns:a14="http://schemas.microsoft.com/office/drawing/2010/main">
+              <a14:hiddenEffects xmlns:a14="http://schemas.microsoft.com/office/drawing/2010/main" xmlns="">
                 <a:effectLst>
                   <a:outerShdw blurRad="63500" dist="38099" dir="2700000" algn="ctr" rotWithShape="0">
                     <a:schemeClr val="bg2">
@@ -2907,7 +2907,7 @@
           <a:effectLst/>
           <a:extLst>
             <a:ext uri="{AF507438-7753-43e0-B8FC-AC1667EBCBE1}">
-              <a14:hiddenEffects xmlns="" xmlns:a14="http://schemas.microsoft.com/office/drawing/2010/main">
+              <a14:hiddenEffects xmlns:a14="http://schemas.microsoft.com/office/drawing/2010/main" xmlns="">
                 <a:effectLst>
                   <a:outerShdw blurRad="63500" dist="38099" dir="2700000" algn="ctr" rotWithShape="0">
                     <a:schemeClr val="bg2">
@@ -2963,7 +2963,7 @@
           <a:effectLst/>
           <a:extLst>
             <a:ext uri="{AF507438-7753-43e0-B8FC-AC1667EBCBE1}">
-              <a14:hiddenEffects xmlns="" xmlns:a14="http://schemas.microsoft.com/office/drawing/2010/main">
+              <a14:hiddenEffects xmlns:a14="http://schemas.microsoft.com/office/drawing/2010/main" xmlns="">
                 <a:effectLst>
                   <a:outerShdw blurRad="63500" dist="38099" dir="2700000" algn="ctr" rotWithShape="0">
                     <a:schemeClr val="bg2">
@@ -3016,14 +3016,14 @@
           <a:effectLst/>
           <a:extLst>
             <a:ext uri="{909E8E84-426E-40dd-AFC4-6F175D3DCCD1}">
-              <a14:hiddenFill xmlns="" xmlns:a14="http://schemas.microsoft.com/office/drawing/2010/main">
+              <a14:hiddenFill xmlns:a14="http://schemas.microsoft.com/office/drawing/2010/main" xmlns="">
                 <a:solidFill>
                   <a:schemeClr val="accent1"/>
                 </a:solidFill>
               </a14:hiddenFill>
             </a:ext>
             <a:ext uri="{91240B29-F687-4f45-9708-019B960494DF}">
-              <a14:hiddenLine xmlns="" xmlns:a14="http://schemas.microsoft.com/office/drawing/2010/main" w="9525">
+              <a14:hiddenLine xmlns:a14="http://schemas.microsoft.com/office/drawing/2010/main" xmlns="" w="9525">
                 <a:solidFill>
                   <a:schemeClr val="tx1"/>
                 </a:solidFill>
@@ -3033,7 +3033,7 @@
               </a14:hiddenLine>
             </a:ext>
             <a:ext uri="{AF507438-7753-43e0-B8FC-AC1667EBCBE1}">
-              <a14:hiddenEffects xmlns="" xmlns:a14="http://schemas.microsoft.com/office/drawing/2010/main">
+              <a14:hiddenEffects xmlns:a14="http://schemas.microsoft.com/office/drawing/2010/main" xmlns="">
                 <a:effectLst>
                   <a:outerShdw blurRad="63500" dist="38099" dir="2700000" algn="ctr" rotWithShape="0">
                     <a:schemeClr val="bg2">
@@ -3044,7 +3044,7 @@
               </a14:hiddenEffects>
             </a:ext>
             <a:ext uri="{FAA26D3D-D897-4be2-8F04-BA451C77F1D7}">
-              <ma14:placeholderFlag xmlns="" xmlns:ma14="http://schemas.microsoft.com/office/mac/drawingml/2011/main" val="1"/>
+              <ma14:placeholderFlag xmlns:ma14="http://schemas.microsoft.com/office/mac/drawingml/2011/main" xmlns="" val="1"/>
             </a:ext>
           </a:extLst>
         </p:spPr>
@@ -3196,7 +3196,7 @@
           <a:noFill/>
           <a:extLst>
             <a:ext uri="{909E8E84-426E-40dd-AFC4-6F175D3DCCD1}">
-              <a14:hiddenFill xmlns="" xmlns:a14="http://schemas.microsoft.com/office/drawing/2010/main">
+              <a14:hiddenFill xmlns:a14="http://schemas.microsoft.com/office/drawing/2010/main" xmlns="">
                 <a:solidFill>
                   <a:srgbClr val="FFFFFF"/>
                 </a:solidFill>
@@ -3228,14 +3228,14 @@
           <a:effectLst/>
           <a:extLst>
             <a:ext uri="{909E8E84-426E-40dd-AFC4-6F175D3DCCD1}">
-              <a14:hiddenFill xmlns="" xmlns:a14="http://schemas.microsoft.com/office/drawing/2010/main">
+              <a14:hiddenFill xmlns:a14="http://schemas.microsoft.com/office/drawing/2010/main" xmlns="">
                 <a:solidFill>
                   <a:schemeClr val="accent1"/>
                 </a:solidFill>
               </a14:hiddenFill>
             </a:ext>
             <a:ext uri="{91240B29-F687-4f45-9708-019B960494DF}">
-              <a14:hiddenLine xmlns="" xmlns:a14="http://schemas.microsoft.com/office/drawing/2010/main" w="9525">
+              <a14:hiddenLine xmlns:a14="http://schemas.microsoft.com/office/drawing/2010/main" xmlns="" w="9525">
                 <a:solidFill>
                   <a:schemeClr val="tx1"/>
                 </a:solidFill>
@@ -3245,7 +3245,7 @@
               </a14:hiddenLine>
             </a:ext>
             <a:ext uri="{AF507438-7753-43e0-B8FC-AC1667EBCBE1}">
-              <a14:hiddenEffects xmlns="" xmlns:a14="http://schemas.microsoft.com/office/drawing/2010/main">
+              <a14:hiddenEffects xmlns:a14="http://schemas.microsoft.com/office/drawing/2010/main" xmlns="">
                 <a:effectLst>
                   <a:outerShdw blurRad="63500" dist="38099" dir="2700000" algn="ctr" rotWithShape="0">
                     <a:schemeClr val="bg2">
@@ -3454,7 +3454,7 @@
                 <a:ea typeface="ＭＳ Ｐゴシック"/>
               </a:rPr>
               <a:pPr/>
-              <a:t>2015/2/2</a:t>
+              <a:t>2015/2/3</a:t>
             </a:fld>
             <a:endParaRPr lang="ja-JP" altLang="en-US">
               <a:solidFill>
@@ -3562,7 +3562,7 @@
           <a:effectLst/>
           <a:extLst>
             <a:ext uri="{91240B29-F687-4f45-9708-019B960494DF}">
-              <a14:hiddenLine xmlns="" xmlns:a14="http://schemas.microsoft.com/office/drawing/2010/main" w="9525">
+              <a14:hiddenLine xmlns:a14="http://schemas.microsoft.com/office/drawing/2010/main" xmlns="" w="9525">
                 <a:solidFill>
                   <a:schemeClr val="tx1"/>
                 </a:solidFill>
@@ -3572,7 +3572,7 @@
               </a14:hiddenLine>
             </a:ext>
             <a:ext uri="{AF507438-7753-43e0-B8FC-AC1667EBCBE1}">
-              <a14:hiddenEffects xmlns="" xmlns:a14="http://schemas.microsoft.com/office/drawing/2010/main">
+              <a14:hiddenEffects xmlns:a14="http://schemas.microsoft.com/office/drawing/2010/main" xmlns="">
                 <a:effectLst>
                   <a:outerShdw blurRad="63500" dist="38099" dir="2700000" algn="ctr" rotWithShape="0">
                     <a:schemeClr val="bg2">
@@ -3628,7 +3628,7 @@
           <a:effectLst/>
           <a:extLst>
             <a:ext uri="{AF507438-7753-43e0-B8FC-AC1667EBCBE1}">
-              <a14:hiddenEffects xmlns="" xmlns:a14="http://schemas.microsoft.com/office/drawing/2010/main">
+              <a14:hiddenEffects xmlns:a14="http://schemas.microsoft.com/office/drawing/2010/main" xmlns="">
                 <a:effectLst>
                   <a:outerShdw blurRad="63500" dist="38099" dir="2700000" algn="ctr" rotWithShape="0">
                     <a:schemeClr val="bg2">
@@ -3681,14 +3681,14 @@
           <a:effectLst/>
           <a:extLst>
             <a:ext uri="{909E8E84-426E-40dd-AFC4-6F175D3DCCD1}">
-              <a14:hiddenFill xmlns="" xmlns:a14="http://schemas.microsoft.com/office/drawing/2010/main">
+              <a14:hiddenFill xmlns:a14="http://schemas.microsoft.com/office/drawing/2010/main" xmlns="">
                 <a:solidFill>
                   <a:schemeClr val="accent1"/>
                 </a:solidFill>
               </a14:hiddenFill>
             </a:ext>
             <a:ext uri="{91240B29-F687-4f45-9708-019B960494DF}">
-              <a14:hiddenLine xmlns="" xmlns:a14="http://schemas.microsoft.com/office/drawing/2010/main" w="9525">
+              <a14:hiddenLine xmlns:a14="http://schemas.microsoft.com/office/drawing/2010/main" xmlns="" w="9525">
                 <a:solidFill>
                   <a:schemeClr val="tx1"/>
                 </a:solidFill>
@@ -3698,7 +3698,7 @@
               </a14:hiddenLine>
             </a:ext>
             <a:ext uri="{AF507438-7753-43e0-B8FC-AC1667EBCBE1}">
-              <a14:hiddenEffects xmlns="" xmlns:a14="http://schemas.microsoft.com/office/drawing/2010/main">
+              <a14:hiddenEffects xmlns:a14="http://schemas.microsoft.com/office/drawing/2010/main" xmlns="">
                 <a:effectLst>
                   <a:outerShdw blurRad="63500" dist="38099" dir="2700000" algn="ctr" rotWithShape="0">
                     <a:schemeClr val="bg2">
@@ -3776,7 +3776,7 @@
           <a:noFill/>
           <a:extLst>
             <a:ext uri="{909E8E84-426E-40dd-AFC4-6F175D3DCCD1}">
-              <a14:hiddenFill xmlns="" xmlns:a14="http://schemas.microsoft.com/office/drawing/2010/main">
+              <a14:hiddenFill xmlns:a14="http://schemas.microsoft.com/office/drawing/2010/main" xmlns="">
                 <a:solidFill>
                   <a:srgbClr val="FFFFFF"/>
                 </a:solidFill>
@@ -3992,7 +3992,7 @@
                 <a:ea typeface="ＭＳ Ｐゴシック"/>
               </a:rPr>
               <a:pPr/>
-              <a:t>2015/2/2</a:t>
+              <a:t>2015/2/3</a:t>
             </a:fld>
             <a:endParaRPr lang="ja-JP" altLang="en-US">
               <a:solidFill>
@@ -4386,7 +4386,7 @@
                 <a:ea typeface="ＭＳ Ｐゴシック"/>
               </a:rPr>
               <a:pPr/>
-              <a:t>2015/2/2</a:t>
+              <a:t>2015/2/3</a:t>
             </a:fld>
             <a:endParaRPr lang="ja-JP" altLang="en-US">
               <a:solidFill>
@@ -4495,12 +4495,12 @@
           <a:effectLst/>
           <a:extLst>
             <a:ext uri="{909E8E84-426E-40dd-AFC4-6F175D3DCCD1}">
-              <a14:hiddenFill xmlns="" xmlns:a14="http://schemas.microsoft.com/office/drawing/2010/main">
+              <a14:hiddenFill xmlns:a14="http://schemas.microsoft.com/office/drawing/2010/main" xmlns="">
                 <a:noFill/>
               </a14:hiddenFill>
             </a:ext>
             <a:ext uri="{AF507438-7753-43e0-B8FC-AC1667EBCBE1}">
-              <a14:hiddenEffects xmlns="" xmlns:a14="http://schemas.microsoft.com/office/drawing/2010/main">
+              <a14:hiddenEffects xmlns:a14="http://schemas.microsoft.com/office/drawing/2010/main" xmlns="">
                 <a:effectLst>
                   <a:outerShdw blurRad="63500" dist="38099" dir="2700000" algn="ctr" rotWithShape="0">
                     <a:schemeClr val="bg2">
@@ -4554,12 +4554,12 @@
           <a:effectLst/>
           <a:extLst>
             <a:ext uri="{909E8E84-426E-40dd-AFC4-6F175D3DCCD1}">
-              <a14:hiddenFill xmlns="" xmlns:a14="http://schemas.microsoft.com/office/drawing/2010/main">
+              <a14:hiddenFill xmlns:a14="http://schemas.microsoft.com/office/drawing/2010/main" xmlns="">
                 <a:noFill/>
               </a14:hiddenFill>
             </a:ext>
             <a:ext uri="{AF507438-7753-43e0-B8FC-AC1667EBCBE1}">
-              <a14:hiddenEffects xmlns="" xmlns:a14="http://schemas.microsoft.com/office/drawing/2010/main">
+              <a14:hiddenEffects xmlns:a14="http://schemas.microsoft.com/office/drawing/2010/main" xmlns="">
                 <a:effectLst>
                   <a:outerShdw blurRad="63500" dist="38099" dir="2700000" algn="ctr" rotWithShape="0">
                     <a:schemeClr val="bg2">
@@ -4617,7 +4617,7 @@
           <a:effectLst/>
           <a:extLst>
             <a:ext uri="{AF507438-7753-43e0-B8FC-AC1667EBCBE1}">
-              <a14:hiddenEffects xmlns="" xmlns:a14="http://schemas.microsoft.com/office/drawing/2010/main">
+              <a14:hiddenEffects xmlns:a14="http://schemas.microsoft.com/office/drawing/2010/main" xmlns="">
                 <a:effectLst>
                   <a:outerShdw blurRad="63500" dist="38099" dir="2700000" algn="ctr" rotWithShape="0">
                     <a:schemeClr val="bg2">
@@ -4673,7 +4673,7 @@
           <a:effectLst/>
           <a:extLst>
             <a:ext uri="{AF507438-7753-43e0-B8FC-AC1667EBCBE1}">
-              <a14:hiddenEffects xmlns="" xmlns:a14="http://schemas.microsoft.com/office/drawing/2010/main">
+              <a14:hiddenEffects xmlns:a14="http://schemas.microsoft.com/office/drawing/2010/main" xmlns="">
                 <a:effectLst>
                   <a:outerShdw blurRad="63500" dist="38099" dir="2700000" algn="ctr" rotWithShape="0">
                     <a:schemeClr val="bg2">
@@ -4735,7 +4735,7 @@
           <a:noFill/>
           <a:extLst>
             <a:ext uri="{909E8E84-426E-40dd-AFC4-6F175D3DCCD1}">
-              <a14:hiddenFill xmlns="" xmlns:a14="http://schemas.microsoft.com/office/drawing/2010/main">
+              <a14:hiddenFill xmlns:a14="http://schemas.microsoft.com/office/drawing/2010/main" xmlns="">
                 <a:solidFill>
                   <a:srgbClr val="FFFFFF"/>
                 </a:solidFill>
@@ -4767,14 +4767,14 @@
           <a:effectLst/>
           <a:extLst>
             <a:ext uri="{909E8E84-426E-40dd-AFC4-6F175D3DCCD1}">
-              <a14:hiddenFill xmlns="" xmlns:a14="http://schemas.microsoft.com/office/drawing/2010/main">
+              <a14:hiddenFill xmlns:a14="http://schemas.microsoft.com/office/drawing/2010/main" xmlns="">
                 <a:solidFill>
                   <a:schemeClr val="accent1"/>
                 </a:solidFill>
               </a14:hiddenFill>
             </a:ext>
             <a:ext uri="{91240B29-F687-4f45-9708-019B960494DF}">
-              <a14:hiddenLine xmlns="" xmlns:a14="http://schemas.microsoft.com/office/drawing/2010/main" w="9525">
+              <a14:hiddenLine xmlns:a14="http://schemas.microsoft.com/office/drawing/2010/main" xmlns="" w="9525">
                 <a:solidFill>
                   <a:schemeClr val="tx1"/>
                 </a:solidFill>
@@ -4784,7 +4784,7 @@
               </a14:hiddenLine>
             </a:ext>
             <a:ext uri="{AF507438-7753-43e0-B8FC-AC1667EBCBE1}">
-              <a14:hiddenEffects xmlns="" xmlns:a14="http://schemas.microsoft.com/office/drawing/2010/main">
+              <a14:hiddenEffects xmlns:a14="http://schemas.microsoft.com/office/drawing/2010/main" xmlns="">
                 <a:effectLst>
                   <a:outerShdw blurRad="63500" dist="38099" dir="2700000" algn="ctr" rotWithShape="0">
                     <a:schemeClr val="bg2">
@@ -5277,7 +5277,7 @@
                 <a:ea typeface="ＭＳ Ｐゴシック"/>
               </a:rPr>
               <a:pPr/>
-              <a:t>2015/2/2</a:t>
+              <a:t>2015/2/3</a:t>
             </a:fld>
             <a:endParaRPr lang="ja-JP" altLang="en-US">
               <a:solidFill>
@@ -5437,7 +5437,7 @@
                 <a:ea typeface="ＭＳ Ｐゴシック"/>
               </a:rPr>
               <a:pPr/>
-              <a:t>2015/2/2</a:t>
+              <a:t>2015/2/3</a:t>
             </a:fld>
             <a:endParaRPr lang="ja-JP" altLang="en-US">
               <a:solidFill>
@@ -5574,7 +5574,7 @@
                 <a:ea typeface="ＭＳ Ｐゴシック"/>
               </a:rPr>
               <a:pPr/>
-              <a:t>2015/2/2</a:t>
+              <a:t>2015/2/3</a:t>
             </a:fld>
             <a:endParaRPr lang="ja-JP" altLang="en-US">
               <a:solidFill>
@@ -5925,7 +5925,7 @@
                 <a:ea typeface="ＭＳ Ｐゴシック"/>
               </a:rPr>
               <a:pPr/>
-              <a:t>2015/2/2</a:t>
+              <a:t>2015/2/3</a:t>
             </a:fld>
             <a:endParaRPr lang="ja-JP" altLang="en-US">
               <a:solidFill>
@@ -6220,7 +6220,7 @@
                 <a:ea typeface="ＭＳ Ｐゴシック"/>
               </a:rPr>
               <a:pPr/>
-              <a:t>2015/2/2</a:t>
+              <a:t>2015/2/3</a:t>
             </a:fld>
             <a:endParaRPr lang="ja-JP" altLang="en-US">
               <a:solidFill>
@@ -6507,7 +6507,7 @@
                 <a:ea typeface="ＭＳ Ｐゴシック"/>
               </a:rPr>
               <a:pPr/>
-              <a:t>2015/2/2</a:t>
+              <a:t>2015/2/3</a:t>
             </a:fld>
             <a:endParaRPr kumimoji="1" lang="ja-JP" altLang="en-US">
               <a:solidFill>
@@ -9316,7 +9316,7 @@
           <p:nvPr>
             <p:extLst>
               <p:ext uri="{D42A27DB-BD31-4B8C-83A1-F6EECF244321}">
-                <p14:modId xmlns:p14="http://schemas.microsoft.com/office/powerpoint/2010/main" val="2761808202"/>
+                <p14:modId xmlns:p14="http://schemas.microsoft.com/office/powerpoint/2010/main" val="1542692130"/>
               </p:ext>
             </p:extLst>
           </p:nvPr>
@@ -10017,6 +10017,10 @@
                     <a:bodyPr/>
                     <a:lstStyle/>
                     <a:p>
+                      <a:r>
+                        <a:rPr kumimoji="1" lang="en-US" altLang="ja-JP" sz="1000" dirty="0" smtClean="0"/>
+                        <a:t>S-3-2</a:t>
+                      </a:r>
                       <a:endParaRPr kumimoji="1" lang="ja-JP" altLang="en-US" sz="1000" dirty="0"/>
                     </a:p>
                   </a:txBody>
@@ -12683,7 +12687,7 @@
           <p:nvPr>
             <p:extLst>
               <p:ext uri="{D42A27DB-BD31-4B8C-83A1-F6EECF244321}">
-                <p14:modId xmlns:p14="http://schemas.microsoft.com/office/powerpoint/2010/main" val="45210304"/>
+                <p14:modId xmlns:p14="http://schemas.microsoft.com/office/powerpoint/2010/main" val="3484770851"/>
               </p:ext>
             </p:extLst>
           </p:nvPr>
@@ -13371,6 +13375,10 @@
                     <a:bodyPr/>
                     <a:lstStyle/>
                     <a:p>
+                      <a:r>
+                        <a:rPr kumimoji="1" lang="en-US" altLang="ja-JP" sz="1000" dirty="0" smtClean="0"/>
+                        <a:t>S-2-1</a:t>
+                      </a:r>
                       <a:endParaRPr kumimoji="1" lang="ja-JP" altLang="en-US" sz="1000" dirty="0"/>
                     </a:p>
                   </a:txBody>
@@ -14780,7 +14788,7 @@
           <p:nvPr>
             <p:extLst>
               <p:ext uri="{D42A27DB-BD31-4B8C-83A1-F6EECF244321}">
-                <p14:modId xmlns:p14="http://schemas.microsoft.com/office/powerpoint/2010/main" val="1742384144"/>
+                <p14:modId xmlns:p14="http://schemas.microsoft.com/office/powerpoint/2010/main" val="3131263277"/>
               </p:ext>
             </p:extLst>
           </p:nvPr>
@@ -14932,6 +14940,13 @@
                     <a:bodyPr/>
                     <a:lstStyle/>
                     <a:p>
+                      <a:r>
+                        <a:rPr kumimoji="1" lang="en-US" altLang="ja-JP" sz="1000" dirty="0" smtClean="0">
+                          <a:latin typeface="Calibri"/>
+                          <a:cs typeface="Calibri"/>
+                        </a:rPr>
+                        <a:t>S-3-1</a:t>
+                      </a:r>
                       <a:endParaRPr kumimoji="1" lang="ja-JP" altLang="en-US" sz="1000" dirty="0">
                         <a:latin typeface="Calibri"/>
                         <a:cs typeface="Calibri"/>
@@ -17379,7 +17394,7 @@
         </p:nvSpPr>
         <p:spPr>
           <a:xfrm>
-            <a:off x="7888780" y="3480050"/>
+            <a:off x="7868071" y="3442160"/>
             <a:ext cx="784189" cy="246221"/>
           </a:xfrm>
           <a:prstGeom prst="rect">
@@ -17563,7 +17578,7 @@
         </p:nvSpPr>
         <p:spPr>
           <a:xfrm>
-            <a:off x="5357564" y="4420422"/>
+            <a:off x="5048597" y="4435390"/>
             <a:ext cx="598646" cy="290286"/>
           </a:xfrm>
           <a:prstGeom prst="rect">
@@ -17606,7 +17621,7 @@
         </p:nvSpPr>
         <p:spPr>
           <a:xfrm>
-            <a:off x="5115136" y="4700719"/>
+            <a:off x="4806169" y="4715687"/>
             <a:ext cx="1102886" cy="246221"/>
           </a:xfrm>
           <a:prstGeom prst="rect">
@@ -17709,7 +17724,7 @@
         </p:nvSpPr>
         <p:spPr>
           <a:xfrm>
-            <a:off x="7681704" y="4688257"/>
+            <a:off x="7798193" y="4688257"/>
             <a:ext cx="1058303" cy="246221"/>
           </a:xfrm>
           <a:prstGeom prst="rect">
@@ -17821,7 +17836,7 @@
         </p:nvSpPr>
         <p:spPr>
           <a:xfrm>
-            <a:off x="5357564" y="5042531"/>
+            <a:off x="5048597" y="5057499"/>
             <a:ext cx="598646" cy="290286"/>
           </a:xfrm>
           <a:prstGeom prst="rect">
@@ -17864,7 +17879,7 @@
         </p:nvSpPr>
         <p:spPr>
           <a:xfrm>
-            <a:off x="5293849" y="5354849"/>
+            <a:off x="4984882" y="5369817"/>
             <a:ext cx="662361" cy="246221"/>
           </a:xfrm>
           <a:prstGeom prst="rect">
@@ -17900,9 +17915,9 @@
           <p:nvPr/>
         </p:nvCxnSpPr>
         <p:spPr>
-          <a:xfrm flipV="1">
-            <a:off x="4412556" y="4565565"/>
-            <a:ext cx="945008" cy="4500"/>
+          <a:xfrm>
+            <a:off x="4412556" y="4570065"/>
+            <a:ext cx="636041" cy="10468"/>
           </a:xfrm>
           <a:prstGeom prst="straightConnector1">
             <a:avLst/>
@@ -17940,7 +17955,7 @@
         </p:nvCxnSpPr>
         <p:spPr>
           <a:xfrm rot="16200000" flipH="1">
-            <a:off x="4812445" y="4642555"/>
+            <a:off x="4503478" y="4657523"/>
             <a:ext cx="643604" cy="446633"/>
           </a:xfrm>
           <a:prstGeom prst="bentConnector2">
@@ -18358,87 +18373,8 @@
           </a:xfrm>
           <a:prstGeom prst="bentConnector4">
             <a:avLst>
-              <a:gd name="adj1" fmla="val -12289"/>
+              <a:gd name="adj1" fmla="val -7393"/>
               <a:gd name="adj2" fmla="val -186221"/>
-            </a:avLst>
-          </a:prstGeom>
-          <a:ln>
-            <a:solidFill>
-              <a:schemeClr val="tx1"/>
-            </a:solidFill>
-            <a:tailEnd type="triangle"/>
-          </a:ln>
-        </p:spPr>
-        <p:style>
-          <a:lnRef idx="2">
-            <a:schemeClr val="accent1"/>
-          </a:lnRef>
-          <a:fillRef idx="0">
-            <a:schemeClr val="accent1"/>
-          </a:fillRef>
-          <a:effectRef idx="1">
-            <a:schemeClr val="accent1"/>
-          </a:effectRef>
-          <a:fontRef idx="minor">
-            <a:schemeClr val="tx1"/>
-          </a:fontRef>
-        </p:style>
-      </p:cxnSp>
-      <p:cxnSp>
-        <p:nvCxnSpPr>
-          <p:cNvPr id="15" name="Elbow Connector 14"/>
-          <p:cNvCxnSpPr>
-            <a:stCxn id="70" idx="3"/>
-          </p:cNvCxnSpPr>
-          <p:nvPr/>
-        </p:nvCxnSpPr>
-        <p:spPr>
-          <a:xfrm flipV="1">
-            <a:off x="8533868" y="2646557"/>
-            <a:ext cx="355317" cy="657717"/>
-          </a:xfrm>
-          <a:prstGeom prst="bentConnector2">
-            <a:avLst/>
-          </a:prstGeom>
-          <a:ln>
-            <a:solidFill>
-              <a:schemeClr val="tx1"/>
-            </a:solidFill>
-          </a:ln>
-        </p:spPr>
-        <p:style>
-          <a:lnRef idx="2">
-            <a:schemeClr val="accent1"/>
-          </a:lnRef>
-          <a:fillRef idx="0">
-            <a:schemeClr val="accent1"/>
-          </a:fillRef>
-          <a:effectRef idx="1">
-            <a:schemeClr val="accent1"/>
-          </a:effectRef>
-          <a:fontRef idx="minor">
-            <a:schemeClr val="tx1"/>
-          </a:fontRef>
-        </p:style>
-      </p:cxnSp>
-      <p:cxnSp>
-        <p:nvCxnSpPr>
-          <p:cNvPr id="26" name="Elbow Connector 25"/>
-          <p:cNvCxnSpPr>
-            <a:stCxn id="68" idx="3"/>
-            <a:endCxn id="74" idx="2"/>
-          </p:cNvCxnSpPr>
-          <p:nvPr/>
-        </p:nvCxnSpPr>
-        <p:spPr>
-          <a:xfrm flipH="1" flipV="1">
-            <a:off x="6604780" y="4069560"/>
-            <a:ext cx="1928152" cy="474510"/>
-          </a:xfrm>
-          <a:prstGeom prst="bentConnector4">
-            <a:avLst>
-              <a:gd name="adj1" fmla="val -19760"/>
-              <a:gd name="adj2" fmla="val -148822"/>
             </a:avLst>
           </a:prstGeom>
           <a:ln>
@@ -18466,16 +18402,21 @@
       <p:cxnSp>
         <p:nvCxnSpPr>
           <p:cNvPr id="39" name="Elbow Connector 38"/>
-          <p:cNvCxnSpPr/>
+          <p:cNvCxnSpPr>
+            <a:stCxn id="68" idx="2"/>
+          </p:cNvCxnSpPr>
           <p:nvPr/>
         </p:nvCxnSpPr>
         <p:spPr>
-          <a:xfrm>
-            <a:off x="8559268" y="3923694"/>
-            <a:ext cx="355317" cy="650897"/>
-          </a:xfrm>
-          <a:prstGeom prst="bentConnector2">
-            <a:avLst/>
+          <a:xfrm rot="5400000" flipH="1">
+            <a:off x="6529149" y="2984753"/>
+            <a:ext cx="815550" cy="2593370"/>
+          </a:xfrm>
+          <a:prstGeom prst="bentConnector4">
+            <a:avLst>
+              <a:gd name="adj1" fmla="val -28030"/>
+              <a:gd name="adj2" fmla="val 79608"/>
+            </a:avLst>
           </a:prstGeom>
           <a:ln>
             <a:solidFill>
@@ -18510,12 +18451,12 @@
         <p:spPr>
           <a:xfrm flipH="1" flipV="1">
             <a:off x="4113233" y="4424922"/>
-            <a:ext cx="1842977" cy="140643"/>
+            <a:ext cx="1534010" cy="155611"/>
           </a:xfrm>
           <a:prstGeom prst="bentConnector4">
             <a:avLst>
-              <a:gd name="adj1" fmla="val -12404"/>
-              <a:gd name="adj2" fmla="val 202529"/>
+              <a:gd name="adj1" fmla="val -14902"/>
+              <a:gd name="adj2" fmla="val 246905"/>
             </a:avLst>
           </a:prstGeom>
           <a:ln>
@@ -18548,7 +18489,7 @@
         </p:nvCxnSpPr>
         <p:spPr>
           <a:xfrm flipV="1">
-            <a:off x="5968910" y="4574591"/>
+            <a:off x="5659943" y="4589559"/>
             <a:ext cx="217679" cy="613083"/>
           </a:xfrm>
           <a:prstGeom prst="bentConnector2">
@@ -18712,6 +18653,89 @@
           </a:xfrm>
           <a:prstGeom prst="straightConnector1">
             <a:avLst/>
+          </a:prstGeom>
+          <a:ln>
+            <a:solidFill>
+              <a:schemeClr val="tx1"/>
+            </a:solidFill>
+            <a:tailEnd type="triangle"/>
+          </a:ln>
+        </p:spPr>
+        <p:style>
+          <a:lnRef idx="2">
+            <a:schemeClr val="accent1"/>
+          </a:lnRef>
+          <a:fillRef idx="0">
+            <a:schemeClr val="accent1"/>
+          </a:fillRef>
+          <a:effectRef idx="1">
+            <a:schemeClr val="accent1"/>
+          </a:effectRef>
+          <a:fontRef idx="minor">
+            <a:schemeClr val="tx1"/>
+          </a:fontRef>
+        </p:style>
+      </p:cxnSp>
+      <p:cxnSp>
+        <p:nvCxnSpPr>
+          <p:cNvPr id="3" name="Elbow Connector 2"/>
+          <p:cNvCxnSpPr>
+            <a:stCxn id="70" idx="3"/>
+            <a:endCxn id="42" idx="0"/>
+          </p:cNvCxnSpPr>
+          <p:nvPr/>
+        </p:nvCxnSpPr>
+        <p:spPr>
+          <a:xfrm flipH="1" flipV="1">
+            <a:off x="4113233" y="3148555"/>
+            <a:ext cx="4420635" cy="155719"/>
+          </a:xfrm>
+          <a:prstGeom prst="bentConnector4">
+            <a:avLst>
+              <a:gd name="adj1" fmla="val -10998"/>
+              <a:gd name="adj2" fmla="val 1388143"/>
+            </a:avLst>
+          </a:prstGeom>
+          <a:ln>
+            <a:solidFill>
+              <a:schemeClr val="tx1"/>
+            </a:solidFill>
+            <a:tailEnd type="triangle"/>
+          </a:ln>
+        </p:spPr>
+        <p:style>
+          <a:lnRef idx="2">
+            <a:schemeClr val="accent1"/>
+          </a:lnRef>
+          <a:fillRef idx="0">
+            <a:schemeClr val="accent1"/>
+          </a:fillRef>
+          <a:effectRef idx="1">
+            <a:schemeClr val="accent1"/>
+          </a:effectRef>
+          <a:fontRef idx="minor">
+            <a:schemeClr val="tx1"/>
+          </a:fontRef>
+        </p:style>
+      </p:cxnSp>
+      <p:cxnSp>
+        <p:nvCxnSpPr>
+          <p:cNvPr id="72" name="Elbow Connector 71"/>
+          <p:cNvCxnSpPr>
+            <a:stCxn id="48" idx="0"/>
+            <a:endCxn id="74" idx="0"/>
+          </p:cNvCxnSpPr>
+          <p:nvPr/>
+        </p:nvCxnSpPr>
+        <p:spPr>
+          <a:xfrm rot="16200000" flipH="1" flipV="1">
+            <a:off x="7419301" y="2964029"/>
+            <a:ext cx="723" cy="1629765"/>
+          </a:xfrm>
+          <a:prstGeom prst="bentConnector3">
+            <a:avLst>
+              <a:gd name="adj1" fmla="val -15586445"/>
+            </a:avLst>
           </a:prstGeom>
           <a:ln>
             <a:solidFill>
@@ -24140,7 +24164,7 @@
           <p:nvPr>
             <p:extLst>
               <p:ext uri="{D42A27DB-BD31-4B8C-83A1-F6EECF244321}">
-                <p14:modId xmlns:p14="http://schemas.microsoft.com/office/powerpoint/2010/main" val="3142190081"/>
+                <p14:modId xmlns:p14="http://schemas.microsoft.com/office/powerpoint/2010/main" val="2625519952"/>
               </p:ext>
             </p:extLst>
           </p:nvPr>
@@ -24288,18 +24312,18 @@
                     <a:lstStyle/>
                     <a:p>
                       <a:r>
-                        <a:rPr kumimoji="1" lang="vi-VN" altLang="ja-JP" sz="1000" dirty="0">
-                          <a:latin typeface="Calibri"/>
-                          <a:cs typeface="Calibri"/>
-                        </a:rPr>
-                        <a:t>S</a:t>
-                      </a:r>
-                      <a:r>
                         <a:rPr kumimoji="1" lang="vi-VN" altLang="ja-JP" sz="1000" dirty="0" smtClean="0">
                           <a:latin typeface="Calibri"/>
                           <a:cs typeface="Calibri"/>
                         </a:rPr>
-                        <a:t>-6-1</a:t>
+                        <a:t>S-</a:t>
+                      </a:r>
+                      <a:r>
+                        <a:rPr kumimoji="1" lang="en-US" altLang="ja-JP" sz="1000" dirty="0" smtClean="0">
+                          <a:latin typeface="Calibri"/>
+                          <a:cs typeface="Calibri"/>
+                        </a:rPr>
+                        <a:t>3-1</a:t>
                       </a:r>
                       <a:endParaRPr kumimoji="1" lang="ja-JP" altLang="en-US" sz="1000" dirty="0">
                         <a:latin typeface="Calibri"/>
@@ -31530,12 +31554,12 @@
           <a:lstStyle/>
           <a:p>
             <a:r>
-              <a:rPr kumimoji="1" lang="en-US" altLang="ja-JP" dirty="0"/>
-              <a:t>S</a:t>
-            </a:r>
-            <a:r>
               <a:rPr kumimoji="1" lang="en-US" altLang="ja-JP" dirty="0" smtClean="0"/>
-              <a:t>-3-5 Edit post</a:t>
+              <a:t>S-3-4 </a:t>
+            </a:r>
+            <a:r>
+              <a:rPr kumimoji="1" lang="en-US" altLang="ja-JP" dirty="0" smtClean="0"/>
+              <a:t>Edit post</a:t>
             </a:r>
             <a:endParaRPr kumimoji="1" lang="ja-JP" altLang="en-US" dirty="0"/>
           </a:p>
@@ -31726,7 +31750,7 @@
           <p:nvPr>
             <p:extLst>
               <p:ext uri="{D42A27DB-BD31-4B8C-83A1-F6EECF244321}">
-                <p14:modId xmlns:p14="http://schemas.microsoft.com/office/powerpoint/2010/main" val="906089106"/>
+                <p14:modId xmlns:p14="http://schemas.microsoft.com/office/powerpoint/2010/main" val="189137770"/>
               </p:ext>
             </p:extLst>
           </p:nvPr>
@@ -32211,7 +32235,7 @@
                     <a:p>
                       <a:r>
                         <a:rPr kumimoji="1" lang="en-US" altLang="ja-JP" sz="1000" dirty="0" smtClean="0"/>
-                        <a:t>S-3-4</a:t>
+                        <a:t>S-3-3</a:t>
                       </a:r>
                       <a:endParaRPr kumimoji="1" lang="ja-JP" altLang="en-US" sz="1000" dirty="0">
                         <a:latin typeface="Calibri"/>
